--- a/卒業論文/2013/渡邊雄大/ポスター.pptx
+++ b/卒業論文/2013/渡邊雄大/ポスター.pptx
@@ -193,7 +193,7 @@
             <a:fld id="{EC0EB58C-8A35-458C-95AD-7DF193BD4E4D}" type="datetimeFigureOut">
               <a:rPr kumimoji="1" lang="ja-JP" altLang="en-US" smtClean="0"/>
               <a:pPr/>
-              <a:t>2014/10/3</a:t>
+              <a:t>2014/10/13</a:t>
             </a:fld>
             <a:endParaRPr kumimoji="1" lang="ja-JP" altLang="en-US"/>
           </a:p>
@@ -618,7 +618,7 @@
             <a:fld id="{C8142244-99F7-406A-8A26-43C4486D79DC}" type="datetimeFigureOut">
               <a:rPr kumimoji="1" lang="ja-JP" altLang="en-US" smtClean="0"/>
               <a:pPr/>
-              <a:t>2014/10/3</a:t>
+              <a:t>2014/10/13</a:t>
             </a:fld>
             <a:endParaRPr kumimoji="1" lang="ja-JP" altLang="en-US"/>
           </a:p>
@@ -772,16 +772,9 @@
 <p:sldMaster xmlns:a="http://schemas.openxmlformats.org/drawingml/2006/main" xmlns:r="http://schemas.openxmlformats.org/officeDocument/2006/relationships" xmlns:p="http://schemas.openxmlformats.org/presentationml/2006/main">
   <p:cSld>
     <p:bg>
-      <p:bgPr>
-        <a:solidFill>
-          <a:schemeClr val="accent4">
-            <a:lumMod val="60000"/>
-            <a:lumOff val="40000"/>
-            <a:alpha val="38000"/>
-          </a:schemeClr>
-        </a:solidFill>
-        <a:effectLst/>
-      </p:bgPr>
+      <p:bgRef idx="1001">
+        <a:schemeClr val="bg1"/>
+      </p:bgRef>
     </p:bg>
     <p:spTree>
       <p:nvGrpSpPr>
@@ -958,7 +951,7 @@
             <a:fld id="{C8142244-99F7-406A-8A26-43C4486D79DC}" type="datetimeFigureOut">
               <a:rPr kumimoji="1" lang="ja-JP" altLang="en-US" smtClean="0"/>
               <a:pPr/>
-              <a:t>2014/10/3</a:t>
+              <a:t>2014/10/13</a:t>
             </a:fld>
             <a:endParaRPr kumimoji="1" lang="ja-JP" altLang="en-US"/>
           </a:p>
@@ -1487,6 +1480,36 @@
           <a:chExt cx="0" cy="0"/>
         </a:xfrm>
       </p:grpSpPr>
+      <p:pic>
+        <p:nvPicPr>
+          <p:cNvPr id="43" name="図 42"/>
+          <p:cNvPicPr>
+            <a:picLocks noChangeAspect="1"/>
+          </p:cNvPicPr>
+          <p:nvPr/>
+        </p:nvPicPr>
+        <p:blipFill>
+          <a:blip r:embed="rId3">
+            <a:extLst>
+              <a:ext uri="{28A0092B-C50C-407E-A947-70E740481C1C}">
+                <a14:useLocalDpi xmlns:a14="http://schemas.microsoft.com/office/drawing/2010/main" val="0"/>
+              </a:ext>
+            </a:extLst>
+          </a:blip>
+          <a:stretch>
+            <a:fillRect/>
+          </a:stretch>
+        </p:blipFill>
+        <p:spPr>
+          <a:xfrm>
+            <a:off x="567325" y="4551946"/>
+            <a:ext cx="11526850" cy="11177752"/>
+          </a:xfrm>
+          <a:prstGeom prst="rect">
+            <a:avLst/>
+          </a:prstGeom>
+        </p:spPr>
+      </p:pic>
       <p:sp>
         <p:nvSpPr>
           <p:cNvPr id="61" name="円/楕円 60"/>
@@ -1543,7 +1566,135 @@
             <a:avLst/>
           </a:prstGeom>
           <a:solidFill>
-            <a:schemeClr val="bg1"/>
+            <a:schemeClr val="accent4">
+              <a:lumMod val="40000"/>
+              <a:lumOff val="60000"/>
+            </a:schemeClr>
+          </a:solidFill>
+          <a:ln w="57150">
+            <a:solidFill>
+              <a:schemeClr val="tx1"/>
+            </a:solidFill>
+          </a:ln>
+        </p:spPr>
+        <p:style>
+          <a:lnRef idx="0">
+            <a:scrgbClr r="0" g="0" b="0"/>
+          </a:lnRef>
+          <a:fillRef idx="1002">
+            <a:schemeClr val="lt1"/>
+          </a:fillRef>
+          <a:effectRef idx="0">
+            <a:scrgbClr r="0" g="0" b="0"/>
+          </a:effectRef>
+          <a:fontRef idx="major"/>
+        </p:style>
+        <p:txBody>
+          <a:bodyPr wrap="square" rtlCol="0">
+            <a:spAutoFit/>
+          </a:bodyPr>
+          <a:lstStyle/>
+          <a:p>
+            <a:pPr algn="ctr"/>
+            <a:r>
+              <a:rPr kumimoji="1" lang="ja-JP" altLang="en-US" dirty="0" smtClean="0">
+                <a:latin typeface="+mj-ea"/>
+                <a:ea typeface="+mj-ea"/>
+              </a:rPr>
+              <a:t>ユーザー関係の分析による</a:t>
+            </a:r>
+            <a:r>
+              <a:rPr kumimoji="1" lang="ja-JP" altLang="en-US" dirty="0" smtClean="0"/>
+              <a:t>　</a:t>
+            </a:r>
+            <a:r>
+              <a:rPr lang="en-US" altLang="ja-JP" dirty="0" smtClean="0">
+                <a:latin typeface="Times New Roman" panose="02020603050405020304" pitchFamily="18" charset="0"/>
+                <a:cs typeface="Times New Roman" panose="02020603050405020304" pitchFamily="18" charset="0"/>
+              </a:rPr>
+              <a:t>Twitter</a:t>
+            </a:r>
+            <a:r>
+              <a:rPr lang="ja-JP" altLang="en-US" dirty="0" smtClean="0">
+                <a:latin typeface="+mj-ea"/>
+                <a:ea typeface="+mj-ea"/>
+                <a:cs typeface="Times New Roman" panose="02020603050405020304" pitchFamily="18" charset="0"/>
+              </a:rPr>
+              <a:t>コミュニティ抽出</a:t>
+            </a:r>
+            <a:endParaRPr lang="en-US" altLang="ja-JP" dirty="0" smtClean="0">
+              <a:latin typeface="+mj-ea"/>
+              <a:ea typeface="+mj-ea"/>
+              <a:cs typeface="Times New Roman" panose="02020603050405020304" pitchFamily="18" charset="0"/>
+            </a:endParaRPr>
+          </a:p>
+          <a:p>
+            <a:pPr algn="ctr"/>
+            <a:endParaRPr kumimoji="1" lang="en-US" altLang="ja-JP" dirty="0">
+              <a:latin typeface="Times New Roman" panose="02020603050405020304" pitchFamily="18" charset="0"/>
+              <a:cs typeface="Times New Roman" panose="02020603050405020304" pitchFamily="18" charset="0"/>
+            </a:endParaRPr>
+          </a:p>
+          <a:p>
+            <a:pPr algn="ctr"/>
+            <a:r>
+              <a:rPr kumimoji="1" lang="en-US" altLang="ja-JP" dirty="0" smtClean="0">
+                <a:latin typeface="Times New Roman" panose="02020603050405020304" pitchFamily="18" charset="0"/>
+                <a:cs typeface="Times New Roman" panose="02020603050405020304" pitchFamily="18" charset="0"/>
+              </a:rPr>
+              <a:t>PM</a:t>
+            </a:r>
+            <a:r>
+              <a:rPr kumimoji="1" lang="ja-JP" altLang="en-US" dirty="0" smtClean="0">
+                <a:latin typeface="+mj-ea"/>
+                <a:ea typeface="+mj-ea"/>
+                <a:cs typeface="Times New Roman" panose="02020603050405020304" pitchFamily="18" charset="0"/>
+              </a:rPr>
+              <a:t>コース　矢吹研究室　</a:t>
+            </a:r>
+            <a:r>
+              <a:rPr lang="en-US" altLang="ja-JP" dirty="0" smtClean="0">
+                <a:latin typeface="Times New Roman" panose="02020603050405020304" pitchFamily="18" charset="0"/>
+                <a:ea typeface="+mj-ea"/>
+                <a:cs typeface="Times New Roman" panose="02020603050405020304" pitchFamily="18" charset="0"/>
+              </a:rPr>
+              <a:t>1142123</a:t>
+            </a:r>
+            <a:r>
+              <a:rPr lang="ja-JP" altLang="en-US" dirty="0" smtClean="0">
+                <a:latin typeface="Times New Roman" panose="02020603050405020304" pitchFamily="18" charset="0"/>
+                <a:ea typeface="+mj-ea"/>
+                <a:cs typeface="Times New Roman" panose="02020603050405020304" pitchFamily="18" charset="0"/>
+              </a:rPr>
+              <a:t>　渡邊雄大</a:t>
+            </a:r>
+            <a:endParaRPr kumimoji="1" lang="ja-JP" altLang="en-US" dirty="0">
+              <a:latin typeface="+mj-ea"/>
+              <a:ea typeface="+mj-ea"/>
+              <a:cs typeface="Times New Roman" panose="02020603050405020304" pitchFamily="18" charset="0"/>
+            </a:endParaRPr>
+          </a:p>
+        </p:txBody>
+      </p:sp>
+      <p:sp>
+        <p:nvSpPr>
+          <p:cNvPr id="28" name="テキスト ボックス 27"/>
+          <p:cNvSpPr txBox="1"/>
+          <p:nvPr/>
+        </p:nvSpPr>
+        <p:spPr>
+          <a:xfrm>
+            <a:off x="6330750" y="15067979"/>
+            <a:ext cx="14727521" cy="1877437"/>
+          </a:xfrm>
+          <a:prstGeom prst="rect">
+            <a:avLst/>
+          </a:prstGeom>
+          <a:solidFill>
+            <a:schemeClr val="accent4">
+              <a:lumMod val="40000"/>
+              <a:lumOff val="60000"/>
+            </a:schemeClr>
           </a:solidFill>
           <a:ln>
             <a:solidFill>
@@ -1569,105 +1720,58 @@
           </a:bodyPr>
           <a:lstStyle/>
           <a:p>
-            <a:pPr algn="ctr"/>
-            <a:r>
-              <a:rPr kumimoji="1" lang="ja-JP" altLang="en-US" dirty="0" smtClean="0">
-                <a:latin typeface="+mj-ea"/>
-                <a:ea typeface="+mj-ea"/>
-              </a:rPr>
-              <a:t>ユーザー関係の分析による</a:t>
-            </a:r>
-            <a:r>
-              <a:rPr kumimoji="1" lang="ja-JP" altLang="en-US" dirty="0" smtClean="0"/>
-              <a:t>　</a:t>
-            </a:r>
-            <a:r>
-              <a:rPr lang="en-US" altLang="ja-JP" dirty="0" smtClean="0">
-                <a:latin typeface="Times New Roman" panose="02020603050405020304" pitchFamily="18" charset="0"/>
-                <a:cs typeface="Times New Roman" panose="02020603050405020304" pitchFamily="18" charset="0"/>
-              </a:rPr>
-              <a:t>Twitter</a:t>
-            </a:r>
-            <a:r>
-              <a:rPr lang="ja-JP" altLang="en-US" dirty="0" smtClean="0">
-                <a:latin typeface="+mj-ea"/>
-                <a:ea typeface="+mj-ea"/>
-                <a:cs typeface="Times New Roman" panose="02020603050405020304" pitchFamily="18" charset="0"/>
-              </a:rPr>
-              <a:t>コミュニティ抽出</a:t>
-            </a:r>
-            <a:endParaRPr lang="en-US" altLang="ja-JP" dirty="0" smtClean="0">
-              <a:latin typeface="+mj-ea"/>
-              <a:ea typeface="+mj-ea"/>
-              <a:cs typeface="Times New Roman" panose="02020603050405020304" pitchFamily="18" charset="0"/>
-            </a:endParaRPr>
-          </a:p>
-          <a:p>
-            <a:pPr algn="ctr"/>
-            <a:endParaRPr kumimoji="1" lang="en-US" altLang="ja-JP" dirty="0">
-              <a:latin typeface="Times New Roman" panose="02020603050405020304" pitchFamily="18" charset="0"/>
-              <a:cs typeface="Times New Roman" panose="02020603050405020304" pitchFamily="18" charset="0"/>
-            </a:endParaRPr>
-          </a:p>
-          <a:p>
-            <a:pPr algn="ctr"/>
-            <a:r>
-              <a:rPr kumimoji="1" lang="en-US" altLang="ja-JP" dirty="0" smtClean="0">
-                <a:latin typeface="Times New Roman" panose="02020603050405020304" pitchFamily="18" charset="0"/>
-                <a:cs typeface="Times New Roman" panose="02020603050405020304" pitchFamily="18" charset="0"/>
-              </a:rPr>
-              <a:t>PM</a:t>
-            </a:r>
-            <a:r>
-              <a:rPr kumimoji="1" lang="ja-JP" altLang="en-US" dirty="0" smtClean="0">
-                <a:latin typeface="+mj-ea"/>
-                <a:ea typeface="+mj-ea"/>
-                <a:cs typeface="Times New Roman" panose="02020603050405020304" pitchFamily="18" charset="0"/>
-              </a:rPr>
-              <a:t>コース　矢吹研究室　</a:t>
-            </a:r>
-            <a:r>
-              <a:rPr lang="en-US" altLang="ja-JP" dirty="0" smtClean="0">
-                <a:latin typeface="Times New Roman" panose="02020603050405020304" pitchFamily="18" charset="0"/>
-                <a:ea typeface="+mj-ea"/>
-                <a:cs typeface="Times New Roman" panose="02020603050405020304" pitchFamily="18" charset="0"/>
-              </a:rPr>
-              <a:t>1142123</a:t>
-            </a:r>
             <a:r>
               <a:rPr lang="ja-JP" altLang="en-US" dirty="0" smtClean="0">
                 <a:latin typeface="Times New Roman" panose="02020603050405020304" pitchFamily="18" charset="0"/>
                 <a:ea typeface="+mj-ea"/>
                 <a:cs typeface="Times New Roman" panose="02020603050405020304" pitchFamily="18" charset="0"/>
               </a:rPr>
-              <a:t>　渡邊雄大</a:t>
-            </a:r>
-            <a:endParaRPr kumimoji="1" lang="ja-JP" altLang="en-US" dirty="0">
-              <a:latin typeface="+mj-ea"/>
+              <a:t>①　コミュニティの抽出方法</a:t>
+            </a:r>
+            <a:endParaRPr lang="en-US" altLang="ja-JP" dirty="0" smtClean="0">
+              <a:latin typeface="Times New Roman" panose="02020603050405020304" pitchFamily="18" charset="0"/>
               <a:ea typeface="+mj-ea"/>
               <a:cs typeface="Times New Roman" panose="02020603050405020304" pitchFamily="18" charset="0"/>
             </a:endParaRPr>
           </a:p>
-        </p:txBody>
-      </p:sp>
-      <p:sp>
-        <p:nvSpPr>
-          <p:cNvPr id="6" name="テキスト ボックス 5"/>
+          <a:p>
+            <a:r>
+              <a:rPr lang="ja-JP" altLang="en-US" dirty="0" smtClean="0">
+                <a:latin typeface="Times New Roman" panose="02020603050405020304" pitchFamily="18" charset="0"/>
+                <a:ea typeface="+mj-ea"/>
+                <a:cs typeface="Times New Roman" panose="02020603050405020304" pitchFamily="18" charset="0"/>
+              </a:rPr>
+              <a:t>②　実験の評価方法</a:t>
+            </a:r>
+            <a:endParaRPr lang="en-US" altLang="ja-JP" dirty="0" smtClean="0">
+              <a:latin typeface="Times New Roman" panose="02020603050405020304" pitchFamily="18" charset="0"/>
+              <a:ea typeface="+mj-ea"/>
+              <a:cs typeface="Times New Roman" panose="02020603050405020304" pitchFamily="18" charset="0"/>
+            </a:endParaRPr>
+          </a:p>
+        </p:txBody>
+      </p:sp>
+      <p:sp>
+        <p:nvSpPr>
+          <p:cNvPr id="29" name="テキスト ボックス 28"/>
           <p:cNvSpPr txBox="1"/>
           <p:nvPr/>
         </p:nvSpPr>
         <p:spPr>
           <a:xfrm>
-            <a:off x="252241" y="3285308"/>
-            <a:ext cx="2304256" cy="1323439"/>
+            <a:off x="252241" y="15067979"/>
+            <a:ext cx="5598886" cy="1323439"/>
           </a:xfrm>
           <a:prstGeom prst="rect">
             <a:avLst/>
           </a:prstGeom>
           <a:solidFill>
-            <a:schemeClr val="bg1"/>
+            <a:schemeClr val="accent4">
+              <a:lumMod val="40000"/>
+              <a:lumOff val="60000"/>
+            </a:schemeClr>
           </a:solidFill>
-          <a:ln>
+          <a:ln w="57150">
             <a:solidFill>
               <a:schemeClr val="tx1"/>
             </a:solidFill>
@@ -1691,12 +1795,12 @@
           </a:bodyPr>
           <a:lstStyle/>
           <a:p>
-            <a:r>
-              <a:rPr kumimoji="1" lang="ja-JP" altLang="en-US" sz="8000" dirty="0" smtClean="0">
+            <a:pPr algn="ctr"/>
+            <a:r>
+              <a:rPr lang="ja-JP" altLang="en-US" sz="8000" dirty="0">
                 <a:latin typeface="+mj-ea"/>
-                <a:ea typeface="+mj-ea"/>
               </a:rPr>
-              <a:t>背景</a:t>
+              <a:t>目指すもの</a:t>
             </a:r>
             <a:endParaRPr kumimoji="1" lang="ja-JP" altLang="en-US" sz="8000" dirty="0">
               <a:latin typeface="+mj-ea"/>
@@ -1707,1164 +1811,24 @@
       </p:sp>
       <p:sp>
         <p:nvSpPr>
-          <p:cNvPr id="7" name="テキスト ボックス 6"/>
-          <p:cNvSpPr txBox="1"/>
+          <p:cNvPr id="5" name="正方形/長方形 4"/>
+          <p:cNvSpPr/>
           <p:nvPr/>
         </p:nvSpPr>
         <p:spPr>
           <a:xfrm>
-            <a:off x="2927527" y="3285308"/>
-            <a:ext cx="18177095" cy="5570756"/>
+            <a:off x="219854" y="17300227"/>
+            <a:ext cx="20838417" cy="7560840"/>
           </a:xfrm>
           <a:prstGeom prst="rect">
             <a:avLst/>
           </a:prstGeom>
           <a:solidFill>
-            <a:schemeClr val="bg1"/>
+            <a:schemeClr val="accent4">
+              <a:lumMod val="40000"/>
+              <a:lumOff val="60000"/>
+            </a:schemeClr>
           </a:solidFill>
-          <a:ln>
-            <a:solidFill>
-              <a:schemeClr val="tx1"/>
-            </a:solidFill>
-          </a:ln>
-        </p:spPr>
-        <p:style>
-          <a:lnRef idx="0">
-            <a:scrgbClr r="0" g="0" b="0"/>
-          </a:lnRef>
-          <a:fillRef idx="1002">
-            <a:schemeClr val="lt1"/>
-          </a:fillRef>
-          <a:effectRef idx="0">
-            <a:scrgbClr r="0" g="0" b="0"/>
-          </a:effectRef>
-          <a:fontRef idx="major"/>
-        </p:style>
-        <p:txBody>
-          <a:bodyPr wrap="square" rtlCol="0">
-            <a:spAutoFit/>
-          </a:bodyPr>
-          <a:lstStyle/>
-          <a:p>
-            <a:r>
-              <a:rPr lang="en-US" altLang="ja-JP" dirty="0" smtClean="0">
-                <a:latin typeface="Times New Roman" panose="02020603050405020304" pitchFamily="18" charset="0"/>
-                <a:ea typeface="+mj-ea"/>
-                <a:cs typeface="Times New Roman" panose="02020603050405020304" pitchFamily="18" charset="0"/>
-              </a:rPr>
-              <a:t>Twitter</a:t>
-            </a:r>
-            <a:r>
-              <a:rPr lang="ja-JP" altLang="en-US" dirty="0" smtClean="0">
-                <a:latin typeface="Times New Roman" panose="02020603050405020304" pitchFamily="18" charset="0"/>
-                <a:ea typeface="+mj-ea"/>
-                <a:cs typeface="Times New Roman" panose="02020603050405020304" pitchFamily="18" charset="0"/>
-              </a:rPr>
-              <a:t>は、</a:t>
-            </a:r>
-            <a:endParaRPr lang="en-US" altLang="ja-JP" dirty="0" smtClean="0">
-              <a:latin typeface="Times New Roman" panose="02020603050405020304" pitchFamily="18" charset="0"/>
-              <a:ea typeface="+mj-ea"/>
-              <a:cs typeface="Times New Roman" panose="02020603050405020304" pitchFamily="18" charset="0"/>
-            </a:endParaRPr>
-          </a:p>
-          <a:p>
-            <a:r>
-              <a:rPr lang="ja-JP" altLang="en-US" dirty="0" smtClean="0">
-                <a:latin typeface="Times New Roman" panose="02020603050405020304" pitchFamily="18" charset="0"/>
-                <a:ea typeface="+mj-ea"/>
-                <a:cs typeface="Times New Roman" panose="02020603050405020304" pitchFamily="18" charset="0"/>
-              </a:rPr>
-              <a:t>アクティブユーザーが数が</a:t>
-            </a:r>
-            <a:r>
-              <a:rPr lang="en-US" altLang="ja-JP" sz="6600" dirty="0" smtClean="0">
-                <a:solidFill>
-                  <a:srgbClr val="DA0000"/>
-                </a:solidFill>
-                <a:latin typeface="Times New Roman" panose="02020603050405020304" pitchFamily="18" charset="0"/>
-                <a:ea typeface="+mj-ea"/>
-                <a:cs typeface="Times New Roman" panose="02020603050405020304" pitchFamily="18" charset="0"/>
-              </a:rPr>
-              <a:t>2</a:t>
-            </a:r>
-            <a:r>
-              <a:rPr lang="ja-JP" altLang="en-US" sz="6600" dirty="0" smtClean="0">
-                <a:solidFill>
-                  <a:srgbClr val="DA0000"/>
-                </a:solidFill>
-                <a:latin typeface="Times New Roman" panose="02020603050405020304" pitchFamily="18" charset="0"/>
-                <a:ea typeface="+mj-ea"/>
-                <a:cs typeface="Times New Roman" panose="02020603050405020304" pitchFamily="18" charset="0"/>
-              </a:rPr>
-              <a:t>億</a:t>
-            </a:r>
-            <a:r>
-              <a:rPr lang="en-US" altLang="ja-JP" sz="6600" dirty="0" smtClean="0">
-                <a:solidFill>
-                  <a:srgbClr val="DA0000"/>
-                </a:solidFill>
-                <a:latin typeface="Times New Roman" panose="02020603050405020304" pitchFamily="18" charset="0"/>
-                <a:ea typeface="+mj-ea"/>
-                <a:cs typeface="Times New Roman" panose="02020603050405020304" pitchFamily="18" charset="0"/>
-              </a:rPr>
-              <a:t>3</a:t>
-            </a:r>
-            <a:r>
-              <a:rPr lang="ja-JP" altLang="en-US" sz="6600" dirty="0" smtClean="0">
-                <a:solidFill>
-                  <a:srgbClr val="DA0000"/>
-                </a:solidFill>
-                <a:latin typeface="Times New Roman" panose="02020603050405020304" pitchFamily="18" charset="0"/>
-                <a:ea typeface="+mj-ea"/>
-                <a:cs typeface="Times New Roman" panose="02020603050405020304" pitchFamily="18" charset="0"/>
-              </a:rPr>
-              <a:t>千万人</a:t>
-            </a:r>
-            <a:endParaRPr lang="en-US" altLang="ja-JP" dirty="0" smtClean="0">
-              <a:solidFill>
-                <a:srgbClr val="DA0000"/>
-              </a:solidFill>
-              <a:latin typeface="Times New Roman" panose="02020603050405020304" pitchFamily="18" charset="0"/>
-              <a:ea typeface="+mj-ea"/>
-              <a:cs typeface="Times New Roman" panose="02020603050405020304" pitchFamily="18" charset="0"/>
-            </a:endParaRPr>
-          </a:p>
-          <a:p>
-            <a:r>
-              <a:rPr lang="ja-JP" altLang="en-US" dirty="0" smtClean="0">
-                <a:latin typeface="+mj-ea"/>
-                <a:ea typeface="+mj-ea"/>
-              </a:rPr>
-              <a:t>ツイートは</a:t>
-            </a:r>
-            <a:r>
-              <a:rPr lang="en-US" altLang="ja-JP" dirty="0" smtClean="0">
-                <a:latin typeface="+mj-ea"/>
-                <a:ea typeface="+mj-ea"/>
-              </a:rPr>
-              <a:t>1</a:t>
-            </a:r>
-            <a:r>
-              <a:rPr lang="ja-JP" altLang="en-US" dirty="0" smtClean="0">
-                <a:latin typeface="+mj-ea"/>
-                <a:ea typeface="+mj-ea"/>
-              </a:rPr>
-              <a:t>日</a:t>
-            </a:r>
-            <a:r>
-              <a:rPr lang="en-US" altLang="ja-JP" sz="6000" dirty="0" smtClean="0">
-                <a:solidFill>
-                  <a:srgbClr val="DA0000"/>
-                </a:solidFill>
-                <a:latin typeface="+mj-ea"/>
-                <a:ea typeface="+mj-ea"/>
-              </a:rPr>
-              <a:t>5</a:t>
-            </a:r>
-            <a:r>
-              <a:rPr lang="ja-JP" altLang="en-US" sz="6000" dirty="0" smtClean="0">
-                <a:solidFill>
-                  <a:srgbClr val="DA0000"/>
-                </a:solidFill>
-                <a:latin typeface="+mj-ea"/>
-                <a:ea typeface="+mj-ea"/>
-              </a:rPr>
-              <a:t>億件</a:t>
-            </a:r>
-            <a:r>
-              <a:rPr lang="ja-JP" altLang="en-US" dirty="0" smtClean="0">
-                <a:latin typeface="+mj-ea"/>
-                <a:ea typeface="+mj-ea"/>
-              </a:rPr>
-              <a:t>も送信されている。</a:t>
-            </a:r>
-            <a:endParaRPr lang="en-US" altLang="ja-JP" dirty="0" smtClean="0">
-              <a:latin typeface="+mj-ea"/>
-              <a:ea typeface="+mj-ea"/>
-            </a:endParaRPr>
-          </a:p>
-          <a:p>
-            <a:r>
-              <a:rPr lang="ja-JP" altLang="en-US" dirty="0" smtClean="0">
-                <a:latin typeface="+mj-ea"/>
-                <a:ea typeface="+mj-ea"/>
-              </a:rPr>
-              <a:t>この</a:t>
-            </a:r>
-            <a:r>
-              <a:rPr lang="en-US" altLang="ja-JP" dirty="0" smtClean="0">
-                <a:latin typeface="Times New Roman" panose="02020603050405020304" pitchFamily="18" charset="0"/>
-                <a:ea typeface="+mj-ea"/>
-                <a:cs typeface="Times New Roman" panose="02020603050405020304" pitchFamily="18" charset="0"/>
-              </a:rPr>
-              <a:t>Twitter</a:t>
-            </a:r>
-            <a:r>
-              <a:rPr lang="ja-JP" altLang="en-US" dirty="0" smtClean="0">
-                <a:latin typeface="Times New Roman" panose="02020603050405020304" pitchFamily="18" charset="0"/>
-                <a:ea typeface="+mj-ea"/>
-                <a:cs typeface="Times New Roman" panose="02020603050405020304" pitchFamily="18" charset="0"/>
-              </a:rPr>
-              <a:t>の</a:t>
-            </a:r>
-            <a:r>
-              <a:rPr lang="ja-JP" altLang="en-US" dirty="0" smtClean="0">
-                <a:latin typeface="+mj-ea"/>
-                <a:ea typeface="+mj-ea"/>
-              </a:rPr>
-              <a:t>フォロー関係等からコミュニティを抽出することで、</a:t>
-            </a:r>
-            <a:r>
-              <a:rPr lang="en-US" altLang="ja-JP" dirty="0" smtClean="0">
-                <a:latin typeface="Times New Roman" panose="02020603050405020304" pitchFamily="18" charset="0"/>
-                <a:cs typeface="Times New Roman" panose="02020603050405020304" pitchFamily="18" charset="0"/>
-              </a:rPr>
-              <a:t> </a:t>
-            </a:r>
-            <a:r>
-              <a:rPr lang="en-US" altLang="ja-JP" dirty="0">
-                <a:latin typeface="Times New Roman" panose="02020603050405020304" pitchFamily="18" charset="0"/>
-                <a:cs typeface="Times New Roman" panose="02020603050405020304" pitchFamily="18" charset="0"/>
-              </a:rPr>
-              <a:t>Twitter</a:t>
-            </a:r>
-            <a:r>
-              <a:rPr lang="ja-JP" altLang="en-US" dirty="0" smtClean="0">
-                <a:latin typeface="+mj-ea"/>
-                <a:ea typeface="+mj-ea"/>
-              </a:rPr>
-              <a:t>のユーザビリティの向上が期待される。</a:t>
-            </a:r>
-            <a:endParaRPr lang="en-US" altLang="ja-JP" dirty="0">
-              <a:latin typeface="+mj-ea"/>
-              <a:ea typeface="+mj-ea"/>
-            </a:endParaRPr>
-          </a:p>
-        </p:txBody>
-      </p:sp>
-      <p:pic>
-        <p:nvPicPr>
-          <p:cNvPr id="32" name="図 31"/>
-          <p:cNvPicPr>
-            <a:picLocks noChangeAspect="1"/>
-          </p:cNvPicPr>
-          <p:nvPr/>
-        </p:nvPicPr>
-        <p:blipFill rotWithShape="1">
-          <a:blip r:embed="rId3">
-            <a:extLst>
-              <a:ext uri="{28A0092B-C50C-407E-A947-70E740481C1C}">
-                <a14:useLocalDpi xmlns:a14="http://schemas.microsoft.com/office/drawing/2010/main" val="0"/>
-              </a:ext>
-            </a:extLst>
-          </a:blip>
-          <a:srcRect l="9381" t="28510" r="8342" b="2521"/>
-          <a:stretch/>
-        </p:blipFill>
-        <p:spPr>
-          <a:xfrm>
-            <a:off x="252240" y="9189320"/>
-            <a:ext cx="8064895" cy="5446611"/>
-          </a:xfrm>
-          <a:prstGeom prst="rect">
-            <a:avLst/>
-          </a:prstGeom>
-          <a:ln>
-            <a:solidFill>
-              <a:schemeClr val="tx1"/>
-            </a:solidFill>
-          </a:ln>
-        </p:spPr>
-      </p:pic>
-      <p:pic>
-        <p:nvPicPr>
-          <p:cNvPr id="34" name="図 33"/>
-          <p:cNvPicPr>
-            <a:picLocks noChangeAspect="1"/>
-          </p:cNvPicPr>
-          <p:nvPr/>
-        </p:nvPicPr>
-        <p:blipFill>
-          <a:blip r:embed="rId4">
-            <a:extLst>
-              <a:ext uri="{BEBA8EAE-BF5A-486C-A8C5-ECC9F3942E4B}">
-                <a14:imgProps xmlns:a14="http://schemas.microsoft.com/office/drawing/2010/main">
-                  <a14:imgLayer r:embed="rId5">
-                    <a14:imgEffect>
-                      <a14:backgroundRemoval t="10000" b="90000" l="10000" r="90000"/>
-                    </a14:imgEffect>
-                  </a14:imgLayer>
-                </a14:imgProps>
-              </a:ext>
-              <a:ext uri="{28A0092B-C50C-407E-A947-70E740481C1C}">
-                <a14:useLocalDpi xmlns:a14="http://schemas.microsoft.com/office/drawing/2010/main" val="0"/>
-              </a:ext>
-            </a:extLst>
-          </a:blip>
-          <a:stretch>
-            <a:fillRect/>
-          </a:stretch>
-        </p:blipFill>
-        <p:spPr>
-          <a:xfrm>
-            <a:off x="16543782" y="1746499"/>
-            <a:ext cx="5375363" cy="5375363"/>
-          </a:xfrm>
-          <a:prstGeom prst="rect">
-            <a:avLst/>
-          </a:prstGeom>
-        </p:spPr>
-      </p:pic>
-      <p:sp>
-        <p:nvSpPr>
-          <p:cNvPr id="38" name="テキスト ボックス 37"/>
-          <p:cNvSpPr txBox="1"/>
-          <p:nvPr/>
-        </p:nvSpPr>
-        <p:spPr>
-          <a:xfrm>
-            <a:off x="8795534" y="9188286"/>
-            <a:ext cx="12309087" cy="5447645"/>
-          </a:xfrm>
-          <a:prstGeom prst="rect">
-            <a:avLst/>
-          </a:prstGeom>
-          <a:noFill/>
-          <a:ln>
-            <a:solidFill>
-              <a:schemeClr val="tx1"/>
-            </a:solidFill>
-          </a:ln>
-        </p:spPr>
-        <p:txBody>
-          <a:bodyPr wrap="square" rtlCol="0">
-            <a:spAutoFit/>
-          </a:bodyPr>
-          <a:lstStyle/>
-          <a:p>
-            <a:pPr algn="ctr"/>
-            <a:r>
-              <a:rPr kumimoji="1" lang="ja-JP" altLang="en-US" dirty="0" smtClean="0">
-                <a:latin typeface="+mj-ea"/>
-                <a:ea typeface="+mj-ea"/>
-              </a:rPr>
-              <a:t>「フォロー関係」</a:t>
-            </a:r>
-            <a:r>
-              <a:rPr kumimoji="1" lang="en-US" altLang="ja-JP" dirty="0" smtClean="0">
-                <a:latin typeface="+mj-ea"/>
-                <a:ea typeface="+mj-ea"/>
-              </a:rPr>
-              <a:t>	</a:t>
-            </a:r>
-            <a:r>
-              <a:rPr kumimoji="1" lang="ja-JP" altLang="en-US" dirty="0" smtClean="0">
-                <a:latin typeface="+mj-ea"/>
-                <a:ea typeface="+mj-ea"/>
-              </a:rPr>
-              <a:t>について</a:t>
-            </a:r>
-            <a:endParaRPr kumimoji="1" lang="en-US" altLang="ja-JP" dirty="0" smtClean="0">
-              <a:latin typeface="+mj-ea"/>
-              <a:ea typeface="+mj-ea"/>
-            </a:endParaRPr>
-          </a:p>
-          <a:p>
-            <a:endParaRPr kumimoji="1" lang="en-US" altLang="ja-JP" dirty="0" smtClean="0">
-              <a:latin typeface="+mj-ea"/>
-              <a:ea typeface="+mj-ea"/>
-            </a:endParaRPr>
-          </a:p>
-          <a:p>
-            <a:endParaRPr lang="en-US" altLang="ja-JP" dirty="0">
-              <a:latin typeface="+mj-ea"/>
-              <a:ea typeface="+mj-ea"/>
-            </a:endParaRPr>
-          </a:p>
-          <a:p>
-            <a:endParaRPr kumimoji="1" lang="en-US" altLang="ja-JP" dirty="0" smtClean="0">
-              <a:latin typeface="+mj-ea"/>
-              <a:ea typeface="+mj-ea"/>
-            </a:endParaRPr>
-          </a:p>
-          <a:p>
-            <a:endParaRPr lang="en-US" altLang="ja-JP" dirty="0">
-              <a:latin typeface="+mj-ea"/>
-              <a:ea typeface="+mj-ea"/>
-            </a:endParaRPr>
-          </a:p>
-          <a:p>
-            <a:endParaRPr kumimoji="1" lang="ja-JP" altLang="en-US" dirty="0">
-              <a:latin typeface="+mj-ea"/>
-              <a:ea typeface="+mj-ea"/>
-            </a:endParaRPr>
-          </a:p>
-        </p:txBody>
-      </p:sp>
-      <p:grpSp>
-        <p:nvGrpSpPr>
-          <p:cNvPr id="3" name="グループ化 2"/>
-          <p:cNvGrpSpPr/>
-          <p:nvPr/>
-        </p:nvGrpSpPr>
-        <p:grpSpPr>
-          <a:xfrm>
-            <a:off x="9231777" y="10171436"/>
-            <a:ext cx="11550308" cy="4105892"/>
-            <a:chOff x="9231777" y="9976730"/>
-            <a:chExt cx="11550308" cy="4300597"/>
-          </a:xfrm>
-        </p:grpSpPr>
-        <p:sp>
-          <p:nvSpPr>
-            <p:cNvPr id="128" name="円/楕円 127"/>
-            <p:cNvSpPr/>
-            <p:nvPr/>
-          </p:nvSpPr>
-          <p:spPr>
-            <a:xfrm>
-              <a:off x="15120886" y="12265902"/>
-              <a:ext cx="5661199" cy="1934620"/>
-            </a:xfrm>
-            <a:prstGeom prst="ellipse">
-              <a:avLst/>
-            </a:prstGeom>
-            <a:solidFill>
-              <a:schemeClr val="accent4">
-                <a:lumMod val="20000"/>
-                <a:lumOff val="80000"/>
-              </a:schemeClr>
-            </a:solidFill>
-            <a:ln>
-              <a:solidFill>
-                <a:srgbClr val="0070C0"/>
-              </a:solidFill>
-            </a:ln>
-          </p:spPr>
-          <p:style>
-            <a:lnRef idx="2">
-              <a:schemeClr val="accent1">
-                <a:shade val="50000"/>
-              </a:schemeClr>
-            </a:lnRef>
-            <a:fillRef idx="1">
-              <a:schemeClr val="accent1"/>
-            </a:fillRef>
-            <a:effectRef idx="0">
-              <a:schemeClr val="accent1"/>
-            </a:effectRef>
-            <a:fontRef idx="minor">
-              <a:schemeClr val="lt1"/>
-            </a:fontRef>
-          </p:style>
-          <p:txBody>
-            <a:bodyPr rtlCol="0" anchor="ctr"/>
-            <a:lstStyle/>
-            <a:p>
-              <a:pPr algn="ctr"/>
-              <a:endParaRPr kumimoji="1" lang="ja-JP" altLang="en-US"/>
-            </a:p>
-          </p:txBody>
-        </p:sp>
-        <p:sp>
-          <p:nvSpPr>
-            <p:cNvPr id="127" name="円/楕円 126"/>
-            <p:cNvSpPr/>
-            <p:nvPr/>
-          </p:nvSpPr>
-          <p:spPr>
-            <a:xfrm>
-              <a:off x="9231777" y="12189096"/>
-              <a:ext cx="5661199" cy="2088231"/>
-            </a:xfrm>
-            <a:prstGeom prst="ellipse">
-              <a:avLst/>
-            </a:prstGeom>
-            <a:solidFill>
-              <a:schemeClr val="accent4">
-                <a:lumMod val="20000"/>
-                <a:lumOff val="80000"/>
-              </a:schemeClr>
-            </a:solidFill>
-            <a:ln>
-              <a:solidFill>
-                <a:srgbClr val="0070C0"/>
-              </a:solidFill>
-            </a:ln>
-          </p:spPr>
-          <p:style>
-            <a:lnRef idx="2">
-              <a:schemeClr val="accent1">
-                <a:shade val="50000"/>
-              </a:schemeClr>
-            </a:lnRef>
-            <a:fillRef idx="1">
-              <a:schemeClr val="accent1"/>
-            </a:fillRef>
-            <a:effectRef idx="0">
-              <a:schemeClr val="accent1"/>
-            </a:effectRef>
-            <a:fontRef idx="minor">
-              <a:schemeClr val="lt1"/>
-            </a:fontRef>
-          </p:style>
-          <p:txBody>
-            <a:bodyPr rtlCol="0" anchor="ctr"/>
-            <a:lstStyle/>
-            <a:p>
-              <a:pPr algn="ctr"/>
-              <a:endParaRPr kumimoji="1" lang="ja-JP" altLang="en-US"/>
-            </a:p>
-          </p:txBody>
-        </p:sp>
-        <p:sp>
-          <p:nvSpPr>
-            <p:cNvPr id="39" name="円/楕円 38"/>
-            <p:cNvSpPr/>
-            <p:nvPr/>
-          </p:nvSpPr>
-          <p:spPr>
-            <a:xfrm>
-              <a:off x="11430309" y="9976730"/>
-              <a:ext cx="7081940" cy="2088231"/>
-            </a:xfrm>
-            <a:prstGeom prst="ellipse">
-              <a:avLst/>
-            </a:prstGeom>
-            <a:solidFill>
-              <a:schemeClr val="accent4">
-                <a:lumMod val="20000"/>
-                <a:lumOff val="80000"/>
-              </a:schemeClr>
-            </a:solidFill>
-            <a:ln>
-              <a:solidFill>
-                <a:srgbClr val="0070C0"/>
-              </a:solidFill>
-            </a:ln>
-          </p:spPr>
-          <p:style>
-            <a:lnRef idx="2">
-              <a:schemeClr val="accent1">
-                <a:shade val="50000"/>
-              </a:schemeClr>
-            </a:lnRef>
-            <a:fillRef idx="1">
-              <a:schemeClr val="accent1"/>
-            </a:fillRef>
-            <a:effectRef idx="0">
-              <a:schemeClr val="accent1"/>
-            </a:effectRef>
-            <a:fontRef idx="minor">
-              <a:schemeClr val="lt1"/>
-            </a:fontRef>
-          </p:style>
-          <p:txBody>
-            <a:bodyPr rtlCol="0" anchor="ctr"/>
-            <a:lstStyle/>
-            <a:p>
-              <a:pPr algn="ctr"/>
-              <a:endParaRPr kumimoji="1" lang="ja-JP" altLang="en-US"/>
-            </a:p>
-          </p:txBody>
-        </p:sp>
-        <p:grpSp>
-          <p:nvGrpSpPr>
-            <p:cNvPr id="101" name="グループ化 100"/>
-            <p:cNvGrpSpPr/>
-            <p:nvPr/>
-          </p:nvGrpSpPr>
-          <p:grpSpPr>
-            <a:xfrm>
-              <a:off x="12442014" y="10236016"/>
-              <a:ext cx="5058529" cy="1644095"/>
-              <a:chOff x="1404368" y="5487685"/>
-              <a:chExt cx="4320480" cy="1644095"/>
-            </a:xfrm>
-          </p:grpSpPr>
-          <p:sp>
-            <p:nvSpPr>
-              <p:cNvPr id="102" name="テキスト ボックス 101"/>
-              <p:cNvSpPr txBox="1"/>
-              <p:nvPr/>
-            </p:nvSpPr>
-            <p:spPr>
-              <a:xfrm>
-                <a:off x="1404368" y="5487685"/>
-                <a:ext cx="1008112" cy="1644095"/>
-              </a:xfrm>
-              <a:prstGeom prst="rect">
-                <a:avLst/>
-              </a:prstGeom>
-              <a:solidFill>
-                <a:schemeClr val="bg1"/>
-              </a:solidFill>
-              <a:ln>
-                <a:solidFill>
-                  <a:schemeClr val="tx1"/>
-                </a:solidFill>
-              </a:ln>
-            </p:spPr>
-            <p:txBody>
-              <a:bodyPr wrap="square" rtlCol="0">
-                <a:spAutoFit/>
-              </a:bodyPr>
-              <a:lstStyle/>
-              <a:p>
-                <a:pPr algn="ctr"/>
-                <a:r>
-                  <a:rPr kumimoji="1" lang="en-US" altLang="ja-JP" sz="9600" dirty="0" smtClean="0">
-                    <a:latin typeface="Times New Roman" panose="02020603050405020304" pitchFamily="18" charset="0"/>
-                    <a:cs typeface="Times New Roman" panose="02020603050405020304" pitchFamily="18" charset="0"/>
-                  </a:rPr>
-                  <a:t>A</a:t>
-                </a:r>
-                <a:endParaRPr kumimoji="1" lang="ja-JP" altLang="en-US" sz="9600" dirty="0">
-                  <a:latin typeface="Times New Roman" panose="02020603050405020304" pitchFamily="18" charset="0"/>
-                  <a:cs typeface="Times New Roman" panose="02020603050405020304" pitchFamily="18" charset="0"/>
-                </a:endParaRPr>
-              </a:p>
-            </p:txBody>
-          </p:sp>
-          <p:sp>
-            <p:nvSpPr>
-              <p:cNvPr id="103" name="テキスト ボックス 102"/>
-              <p:cNvSpPr txBox="1"/>
-              <p:nvPr/>
-            </p:nvSpPr>
-            <p:spPr>
-              <a:xfrm>
-                <a:off x="4716736" y="5487685"/>
-                <a:ext cx="1008112" cy="1644095"/>
-              </a:xfrm>
-              <a:prstGeom prst="rect">
-                <a:avLst/>
-              </a:prstGeom>
-              <a:solidFill>
-                <a:schemeClr val="bg1"/>
-              </a:solidFill>
-              <a:ln>
-                <a:solidFill>
-                  <a:schemeClr val="tx1"/>
-                </a:solidFill>
-              </a:ln>
-            </p:spPr>
-            <p:txBody>
-              <a:bodyPr wrap="square" rtlCol="0">
-                <a:spAutoFit/>
-              </a:bodyPr>
-              <a:lstStyle/>
-              <a:p>
-                <a:pPr algn="ctr"/>
-                <a:r>
-                  <a:rPr lang="en-US" altLang="ja-JP" sz="9600" dirty="0" smtClean="0">
-                    <a:latin typeface="Times New Roman" panose="02020603050405020304" pitchFamily="18" charset="0"/>
-                    <a:cs typeface="Times New Roman" panose="02020603050405020304" pitchFamily="18" charset="0"/>
-                  </a:rPr>
-                  <a:t>B</a:t>
-                </a:r>
-                <a:endParaRPr kumimoji="1" lang="ja-JP" altLang="en-US" sz="9600" dirty="0">
-                  <a:latin typeface="Times New Roman" panose="02020603050405020304" pitchFamily="18" charset="0"/>
-                  <a:cs typeface="Times New Roman" panose="02020603050405020304" pitchFamily="18" charset="0"/>
-                </a:endParaRPr>
-              </a:p>
-            </p:txBody>
-          </p:sp>
-          <p:cxnSp>
-            <p:nvCxnSpPr>
-              <p:cNvPr id="104" name="直線矢印コネクタ 103"/>
-              <p:cNvCxnSpPr/>
-              <p:nvPr/>
-            </p:nvCxnSpPr>
-            <p:spPr>
-              <a:xfrm>
-                <a:off x="2412480" y="5850955"/>
-                <a:ext cx="2304256" cy="0"/>
-              </a:xfrm>
-              <a:prstGeom prst="straightConnector1">
-                <a:avLst/>
-              </a:prstGeom>
-              <a:ln w="76200">
-                <a:solidFill>
-                  <a:schemeClr val="tx1"/>
-                </a:solidFill>
-                <a:tailEnd type="arrow"/>
-              </a:ln>
-            </p:spPr>
-            <p:style>
-              <a:lnRef idx="1">
-                <a:schemeClr val="accent1"/>
-              </a:lnRef>
-              <a:fillRef idx="0">
-                <a:schemeClr val="accent1"/>
-              </a:fillRef>
-              <a:effectRef idx="0">
-                <a:schemeClr val="accent1"/>
-              </a:effectRef>
-              <a:fontRef idx="minor">
-                <a:schemeClr val="tx1"/>
-              </a:fontRef>
-            </p:style>
-          </p:cxnSp>
-          <p:cxnSp>
-            <p:nvCxnSpPr>
-              <p:cNvPr id="105" name="直線矢印コネクタ 104"/>
-              <p:cNvCxnSpPr/>
-              <p:nvPr/>
-            </p:nvCxnSpPr>
-            <p:spPr>
-              <a:xfrm flipH="1">
-                <a:off x="2412480" y="6643043"/>
-                <a:ext cx="2304256" cy="0"/>
-              </a:xfrm>
-              <a:prstGeom prst="straightConnector1">
-                <a:avLst/>
-              </a:prstGeom>
-              <a:ln w="76200">
-                <a:solidFill>
-                  <a:schemeClr val="tx1"/>
-                </a:solidFill>
-                <a:tailEnd type="arrow"/>
-              </a:ln>
-            </p:spPr>
-            <p:style>
-              <a:lnRef idx="1">
-                <a:schemeClr val="accent1"/>
-              </a:lnRef>
-              <a:fillRef idx="0">
-                <a:schemeClr val="accent1"/>
-              </a:fillRef>
-              <a:effectRef idx="0">
-                <a:schemeClr val="accent1"/>
-              </a:effectRef>
-              <a:fontRef idx="minor">
-                <a:schemeClr val="tx1"/>
-              </a:fontRef>
-            </p:style>
-          </p:cxnSp>
-        </p:grpSp>
-        <p:grpSp>
-          <p:nvGrpSpPr>
-            <p:cNvPr id="106" name="グループ化 105"/>
-            <p:cNvGrpSpPr/>
-            <p:nvPr/>
-          </p:nvGrpSpPr>
-          <p:grpSpPr>
-            <a:xfrm>
-              <a:off x="9533112" y="12399139"/>
-              <a:ext cx="5058529" cy="1644095"/>
-              <a:chOff x="1404368" y="5487685"/>
-              <a:chExt cx="4320480" cy="1644095"/>
-            </a:xfrm>
-          </p:grpSpPr>
-          <p:sp>
-            <p:nvSpPr>
-              <p:cNvPr id="107" name="テキスト ボックス 106"/>
-              <p:cNvSpPr txBox="1"/>
-              <p:nvPr/>
-            </p:nvSpPr>
-            <p:spPr>
-              <a:xfrm>
-                <a:off x="1404368" y="5487685"/>
-                <a:ext cx="1008112" cy="1644095"/>
-              </a:xfrm>
-              <a:prstGeom prst="rect">
-                <a:avLst/>
-              </a:prstGeom>
-              <a:solidFill>
-                <a:schemeClr val="bg1"/>
-              </a:solidFill>
-              <a:ln>
-                <a:solidFill>
-                  <a:schemeClr val="tx1"/>
-                </a:solidFill>
-              </a:ln>
-            </p:spPr>
-            <p:txBody>
-              <a:bodyPr wrap="square" rtlCol="0">
-                <a:spAutoFit/>
-              </a:bodyPr>
-              <a:lstStyle/>
-              <a:p>
-                <a:pPr algn="ctr"/>
-                <a:r>
-                  <a:rPr kumimoji="1" lang="en-US" altLang="ja-JP" sz="9600" dirty="0" smtClean="0">
-                    <a:latin typeface="Times New Roman" panose="02020603050405020304" pitchFamily="18" charset="0"/>
-                    <a:cs typeface="Times New Roman" panose="02020603050405020304" pitchFamily="18" charset="0"/>
-                  </a:rPr>
-                  <a:t>A</a:t>
-                </a:r>
-                <a:endParaRPr kumimoji="1" lang="ja-JP" altLang="en-US" sz="9600" dirty="0">
-                  <a:latin typeface="Times New Roman" panose="02020603050405020304" pitchFamily="18" charset="0"/>
-                  <a:cs typeface="Times New Roman" panose="02020603050405020304" pitchFamily="18" charset="0"/>
-                </a:endParaRPr>
-              </a:p>
-            </p:txBody>
-          </p:sp>
-          <p:sp>
-            <p:nvSpPr>
-              <p:cNvPr id="108" name="テキスト ボックス 107"/>
-              <p:cNvSpPr txBox="1"/>
-              <p:nvPr/>
-            </p:nvSpPr>
-            <p:spPr>
-              <a:xfrm>
-                <a:off x="4716736" y="5487685"/>
-                <a:ext cx="1008112" cy="1644095"/>
-              </a:xfrm>
-              <a:prstGeom prst="rect">
-                <a:avLst/>
-              </a:prstGeom>
-              <a:solidFill>
-                <a:schemeClr val="bg1"/>
-              </a:solidFill>
-              <a:ln>
-                <a:solidFill>
-                  <a:schemeClr val="tx1"/>
-                </a:solidFill>
-              </a:ln>
-            </p:spPr>
-            <p:txBody>
-              <a:bodyPr wrap="square" rtlCol="0">
-                <a:spAutoFit/>
-              </a:bodyPr>
-              <a:lstStyle/>
-              <a:p>
-                <a:pPr algn="ctr"/>
-                <a:r>
-                  <a:rPr lang="en-US" altLang="ja-JP" sz="9600" dirty="0" smtClean="0">
-                    <a:latin typeface="Times New Roman" panose="02020603050405020304" pitchFamily="18" charset="0"/>
-                    <a:cs typeface="Times New Roman" panose="02020603050405020304" pitchFamily="18" charset="0"/>
-                  </a:rPr>
-                  <a:t>B</a:t>
-                </a:r>
-                <a:endParaRPr kumimoji="1" lang="ja-JP" altLang="en-US" sz="9600" dirty="0">
-                  <a:latin typeface="Times New Roman" panose="02020603050405020304" pitchFamily="18" charset="0"/>
-                  <a:cs typeface="Times New Roman" panose="02020603050405020304" pitchFamily="18" charset="0"/>
-                </a:endParaRPr>
-              </a:p>
-            </p:txBody>
-          </p:sp>
-          <p:cxnSp>
-            <p:nvCxnSpPr>
-              <p:cNvPr id="109" name="直線矢印コネクタ 108"/>
-              <p:cNvCxnSpPr/>
-              <p:nvPr/>
-            </p:nvCxnSpPr>
-            <p:spPr>
-              <a:xfrm>
-                <a:off x="2412480" y="6321758"/>
-                <a:ext cx="2304256" cy="0"/>
-              </a:xfrm>
-              <a:prstGeom prst="straightConnector1">
-                <a:avLst/>
-              </a:prstGeom>
-              <a:ln w="76200">
-                <a:solidFill>
-                  <a:schemeClr val="tx1"/>
-                </a:solidFill>
-                <a:tailEnd type="arrow"/>
-              </a:ln>
-            </p:spPr>
-            <p:style>
-              <a:lnRef idx="1">
-                <a:schemeClr val="accent1"/>
-              </a:lnRef>
-              <a:fillRef idx="0">
-                <a:schemeClr val="accent1"/>
-              </a:fillRef>
-              <a:effectRef idx="0">
-                <a:schemeClr val="accent1"/>
-              </a:effectRef>
-              <a:fontRef idx="minor">
-                <a:schemeClr val="tx1"/>
-              </a:fontRef>
-            </p:style>
-          </p:cxnSp>
-        </p:grpSp>
-        <p:grpSp>
-          <p:nvGrpSpPr>
-            <p:cNvPr id="113" name="グループ化 112"/>
-            <p:cNvGrpSpPr/>
-            <p:nvPr/>
-          </p:nvGrpSpPr>
-          <p:grpSpPr>
-            <a:xfrm>
-              <a:off x="15422221" y="12434903"/>
-              <a:ext cx="5058529" cy="1644095"/>
-              <a:chOff x="1404368" y="5487685"/>
-              <a:chExt cx="4320480" cy="1644095"/>
-            </a:xfrm>
-          </p:grpSpPr>
-          <p:sp>
-            <p:nvSpPr>
-              <p:cNvPr id="114" name="テキスト ボックス 113"/>
-              <p:cNvSpPr txBox="1"/>
-              <p:nvPr/>
-            </p:nvSpPr>
-            <p:spPr>
-              <a:xfrm>
-                <a:off x="1404368" y="5487685"/>
-                <a:ext cx="1008112" cy="1644095"/>
-              </a:xfrm>
-              <a:prstGeom prst="rect">
-                <a:avLst/>
-              </a:prstGeom>
-              <a:solidFill>
-                <a:schemeClr val="bg1"/>
-              </a:solidFill>
-              <a:ln>
-                <a:solidFill>
-                  <a:schemeClr val="tx1"/>
-                </a:solidFill>
-              </a:ln>
-            </p:spPr>
-            <p:txBody>
-              <a:bodyPr wrap="square" rtlCol="0">
-                <a:spAutoFit/>
-              </a:bodyPr>
-              <a:lstStyle/>
-              <a:p>
-                <a:pPr algn="ctr"/>
-                <a:r>
-                  <a:rPr kumimoji="1" lang="en-US" altLang="ja-JP" sz="9600" dirty="0" smtClean="0">
-                    <a:latin typeface="Times New Roman" panose="02020603050405020304" pitchFamily="18" charset="0"/>
-                    <a:cs typeface="Times New Roman" panose="02020603050405020304" pitchFamily="18" charset="0"/>
-                  </a:rPr>
-                  <a:t>A</a:t>
-                </a:r>
-                <a:endParaRPr kumimoji="1" lang="ja-JP" altLang="en-US" sz="9600" dirty="0">
-                  <a:latin typeface="Times New Roman" panose="02020603050405020304" pitchFamily="18" charset="0"/>
-                  <a:cs typeface="Times New Roman" panose="02020603050405020304" pitchFamily="18" charset="0"/>
-                </a:endParaRPr>
-              </a:p>
-            </p:txBody>
-          </p:sp>
-          <p:sp>
-            <p:nvSpPr>
-              <p:cNvPr id="124" name="テキスト ボックス 123"/>
-              <p:cNvSpPr txBox="1"/>
-              <p:nvPr/>
-            </p:nvSpPr>
-            <p:spPr>
-              <a:xfrm>
-                <a:off x="4716736" y="5487685"/>
-                <a:ext cx="1008112" cy="1644095"/>
-              </a:xfrm>
-              <a:prstGeom prst="rect">
-                <a:avLst/>
-              </a:prstGeom>
-              <a:solidFill>
-                <a:schemeClr val="bg1"/>
-              </a:solidFill>
-              <a:ln>
-                <a:solidFill>
-                  <a:schemeClr val="tx1"/>
-                </a:solidFill>
-              </a:ln>
-            </p:spPr>
-            <p:txBody>
-              <a:bodyPr wrap="square" rtlCol="0">
-                <a:spAutoFit/>
-              </a:bodyPr>
-              <a:lstStyle/>
-              <a:p>
-                <a:pPr algn="ctr"/>
-                <a:r>
-                  <a:rPr lang="en-US" altLang="ja-JP" sz="9600" dirty="0" smtClean="0">
-                    <a:latin typeface="Times New Roman" panose="02020603050405020304" pitchFamily="18" charset="0"/>
-                    <a:cs typeface="Times New Roman" panose="02020603050405020304" pitchFamily="18" charset="0"/>
-                  </a:rPr>
-                  <a:t>B</a:t>
-                </a:r>
-                <a:endParaRPr kumimoji="1" lang="ja-JP" altLang="en-US" sz="9600" dirty="0">
-                  <a:latin typeface="Times New Roman" panose="02020603050405020304" pitchFamily="18" charset="0"/>
-                  <a:cs typeface="Times New Roman" panose="02020603050405020304" pitchFamily="18" charset="0"/>
-                </a:endParaRPr>
-              </a:p>
-            </p:txBody>
-          </p:sp>
-          <p:cxnSp>
-            <p:nvCxnSpPr>
-              <p:cNvPr id="126" name="直線矢印コネクタ 125"/>
-              <p:cNvCxnSpPr/>
-              <p:nvPr/>
-            </p:nvCxnSpPr>
-            <p:spPr>
-              <a:xfrm flipH="1">
-                <a:off x="2412480" y="6272515"/>
-                <a:ext cx="2304256" cy="0"/>
-              </a:xfrm>
-              <a:prstGeom prst="straightConnector1">
-                <a:avLst/>
-              </a:prstGeom>
-              <a:ln w="76200">
-                <a:solidFill>
-                  <a:schemeClr val="tx1"/>
-                </a:solidFill>
-                <a:tailEnd type="arrow"/>
-              </a:ln>
-            </p:spPr>
-            <p:style>
-              <a:lnRef idx="1">
-                <a:schemeClr val="accent1"/>
-              </a:lnRef>
-              <a:fillRef idx="0">
-                <a:schemeClr val="accent1"/>
-              </a:fillRef>
-              <a:effectRef idx="0">
-                <a:schemeClr val="accent1"/>
-              </a:effectRef>
-              <a:fontRef idx="minor">
-                <a:schemeClr val="tx1"/>
-              </a:fontRef>
-            </p:style>
-          </p:cxnSp>
-        </p:grpSp>
-      </p:grpSp>
-      <p:sp>
-        <p:nvSpPr>
-          <p:cNvPr id="28" name="テキスト ボックス 27"/>
-          <p:cNvSpPr txBox="1"/>
-          <p:nvPr/>
-        </p:nvSpPr>
-        <p:spPr>
-          <a:xfrm>
-            <a:off x="3973190" y="14918734"/>
-            <a:ext cx="17085081" cy="1877437"/>
-          </a:xfrm>
-          <a:prstGeom prst="rect">
-            <a:avLst/>
-          </a:prstGeom>
-          <a:solidFill>
-            <a:schemeClr val="bg1"/>
-          </a:solidFill>
-          <a:ln>
-            <a:solidFill>
-              <a:schemeClr val="tx1"/>
-            </a:solidFill>
-          </a:ln>
-        </p:spPr>
-        <p:style>
-          <a:lnRef idx="0">
-            <a:scrgbClr r="0" g="0" b="0"/>
-          </a:lnRef>
-          <a:fillRef idx="1002">
-            <a:schemeClr val="lt1"/>
-          </a:fillRef>
-          <a:effectRef idx="0">
-            <a:scrgbClr r="0" g="0" b="0"/>
-          </a:effectRef>
-          <a:fontRef idx="major"/>
-        </p:style>
-        <p:txBody>
-          <a:bodyPr wrap="square" rtlCol="0">
-            <a:spAutoFit/>
-          </a:bodyPr>
-          <a:lstStyle/>
-          <a:p>
-            <a:r>
-              <a:rPr lang="ja-JP" altLang="en-US" dirty="0" smtClean="0">
-                <a:latin typeface="Times New Roman" panose="02020603050405020304" pitchFamily="18" charset="0"/>
-                <a:ea typeface="+mj-ea"/>
-                <a:cs typeface="Times New Roman" panose="02020603050405020304" pitchFamily="18" charset="0"/>
-              </a:rPr>
-              <a:t>①　コミュニティの抽出方法</a:t>
-            </a:r>
-            <a:endParaRPr lang="en-US" altLang="ja-JP" dirty="0" smtClean="0">
-              <a:latin typeface="Times New Roman" panose="02020603050405020304" pitchFamily="18" charset="0"/>
-              <a:ea typeface="+mj-ea"/>
-              <a:cs typeface="Times New Roman" panose="02020603050405020304" pitchFamily="18" charset="0"/>
-            </a:endParaRPr>
-          </a:p>
-          <a:p>
-            <a:r>
-              <a:rPr lang="ja-JP" altLang="en-US" dirty="0" smtClean="0">
-                <a:latin typeface="Times New Roman" panose="02020603050405020304" pitchFamily="18" charset="0"/>
-                <a:ea typeface="+mj-ea"/>
-                <a:cs typeface="Times New Roman" panose="02020603050405020304" pitchFamily="18" charset="0"/>
-              </a:rPr>
-              <a:t>②　実験の評価方法</a:t>
-            </a:r>
-            <a:endParaRPr lang="en-US" altLang="ja-JP" dirty="0" smtClean="0">
-              <a:latin typeface="Times New Roman" panose="02020603050405020304" pitchFamily="18" charset="0"/>
-              <a:ea typeface="+mj-ea"/>
-              <a:cs typeface="Times New Roman" panose="02020603050405020304" pitchFamily="18" charset="0"/>
-            </a:endParaRPr>
-          </a:p>
-        </p:txBody>
-      </p:sp>
-      <p:sp>
-        <p:nvSpPr>
-          <p:cNvPr id="29" name="テキスト ボックス 28"/>
-          <p:cNvSpPr txBox="1"/>
-          <p:nvPr/>
-        </p:nvSpPr>
-        <p:spPr>
-          <a:xfrm>
-            <a:off x="282434" y="14923963"/>
-            <a:ext cx="3290671" cy="1323439"/>
-          </a:xfrm>
-          <a:prstGeom prst="rect">
-            <a:avLst/>
-          </a:prstGeom>
-          <a:solidFill>
-            <a:schemeClr val="bg1"/>
-          </a:solidFill>
-          <a:ln>
-            <a:solidFill>
-              <a:schemeClr val="tx1"/>
-            </a:solidFill>
-          </a:ln>
-        </p:spPr>
-        <p:style>
-          <a:lnRef idx="0">
-            <a:scrgbClr r="0" g="0" b="0"/>
-          </a:lnRef>
-          <a:fillRef idx="1002">
-            <a:schemeClr val="lt1"/>
-          </a:fillRef>
-          <a:effectRef idx="0">
-            <a:scrgbClr r="0" g="0" b="0"/>
-          </a:effectRef>
-          <a:fontRef idx="major"/>
-        </p:style>
-        <p:txBody>
-          <a:bodyPr wrap="square" rtlCol="0">
-            <a:spAutoFit/>
-          </a:bodyPr>
-          <a:lstStyle/>
-          <a:p>
-            <a:r>
-              <a:rPr kumimoji="1" lang="ja-JP" altLang="en-US" sz="8000" dirty="0" smtClean="0">
-                <a:latin typeface="+mj-ea"/>
-                <a:ea typeface="+mj-ea"/>
-              </a:rPr>
-              <a:t>成果物</a:t>
-            </a:r>
-            <a:endParaRPr kumimoji="1" lang="ja-JP" altLang="en-US" sz="8000" dirty="0">
-              <a:latin typeface="+mj-ea"/>
-              <a:ea typeface="+mj-ea"/>
-            </a:endParaRPr>
-          </a:p>
-        </p:txBody>
-      </p:sp>
-      <p:sp>
-        <p:nvSpPr>
-          <p:cNvPr id="5" name="正方形/長方形 4"/>
-          <p:cNvSpPr/>
-          <p:nvPr/>
-        </p:nvSpPr>
-        <p:spPr>
-          <a:xfrm>
-            <a:off x="167513" y="17156211"/>
-            <a:ext cx="20838417" cy="7848872"/>
-          </a:xfrm>
-          <a:prstGeom prst="rect">
-            <a:avLst/>
-          </a:prstGeom>
-          <a:noFill/>
           <a:ln>
             <a:solidFill>
               <a:schemeClr val="tx1"/>
@@ -2904,7 +1868,7 @@
         </p:nvSpPr>
         <p:spPr>
           <a:xfrm>
-            <a:off x="475910" y="17372235"/>
+            <a:off x="475910" y="17539478"/>
             <a:ext cx="928459" cy="984885"/>
           </a:xfrm>
           <a:prstGeom prst="rect">
@@ -2988,10 +1952,10 @@
         </p:nvGrpSpPr>
         <p:grpSpPr>
           <a:xfrm>
-            <a:off x="2387457" y="17654460"/>
-            <a:ext cx="18154461" cy="6846567"/>
-            <a:chOff x="2279939" y="17444243"/>
-            <a:chExt cx="17252212" cy="6846567"/>
+            <a:off x="2124448" y="17654460"/>
+            <a:ext cx="18417470" cy="6846567"/>
+            <a:chOff x="2030002" y="17444243"/>
+            <a:chExt cx="17502149" cy="6846567"/>
           </a:xfrm>
         </p:grpSpPr>
         <p:sp>
@@ -3002,8 +1966,8 @@
           </p:nvSpPr>
           <p:spPr>
             <a:xfrm>
-              <a:off x="2279939" y="19979039"/>
-              <a:ext cx="3721468" cy="1569660"/>
+              <a:off x="2030002" y="19979039"/>
+              <a:ext cx="3857393" cy="1569660"/>
             </a:xfrm>
             <a:prstGeom prst="rect">
               <a:avLst/>
@@ -3016,13 +1980,20 @@
             <a:lstStyle/>
             <a:p>
               <a:r>
-                <a:rPr lang="en-US" altLang="ja-JP" sz="9600" dirty="0">
+                <a:rPr lang="en-US" altLang="ja-JP" sz="9600" b="1" dirty="0" smtClean="0">
+                  <a:solidFill>
+                    <a:schemeClr val="bg1"/>
+                  </a:solidFill>
                   <a:latin typeface="Times New Roman" panose="02020603050405020304" pitchFamily="18" charset="0"/>
                   <a:cs typeface="Times New Roman" panose="02020603050405020304" pitchFamily="18" charset="0"/>
                 </a:rPr>
                 <a:t>Twitter</a:t>
               </a:r>
-              <a:endParaRPr lang="ja-JP" altLang="en-US" sz="9600" dirty="0"/>
+              <a:endParaRPr lang="ja-JP" altLang="en-US" sz="9600" b="1" dirty="0">
+                <a:solidFill>
+                  <a:schemeClr val="bg1"/>
+                </a:solidFill>
+              </a:endParaRPr>
             </a:p>
           </p:txBody>
         </p:sp>
@@ -3070,6 +2041,16 @@
             <a:lstStyle/>
             <a:p>
               <a:pPr algn="ctr"/>
+              <a:endParaRPr kumimoji="1" lang="en-US" altLang="ja-JP" dirty="0" smtClean="0">
+                <a:solidFill>
+                  <a:schemeClr val="tx1"/>
+                </a:solidFill>
+                <a:latin typeface="Times New Roman" panose="02020603050405020304" pitchFamily="18" charset="0"/>
+                <a:cs typeface="Times New Roman" panose="02020603050405020304" pitchFamily="18" charset="0"/>
+              </a:endParaRPr>
+            </a:p>
+            <a:p>
+              <a:pPr algn="ctr"/>
               <a:r>
                 <a:rPr kumimoji="1" lang="en-US" altLang="ja-JP" dirty="0" smtClean="0">
                   <a:solidFill>
@@ -3110,7 +2091,17 @@
                 </a:rPr>
                 <a:t>）</a:t>
               </a:r>
-              <a:endParaRPr kumimoji="1" lang="en-US" altLang="ja-JP" dirty="0" smtClean="0">
+              <a:endParaRPr lang="en-US" altLang="ja-JP" dirty="0">
+                <a:solidFill>
+                  <a:schemeClr val="tx1"/>
+                </a:solidFill>
+                <a:latin typeface="Times New Roman" panose="02020603050405020304" pitchFamily="18" charset="0"/>
+                <a:cs typeface="Times New Roman" panose="02020603050405020304" pitchFamily="18" charset="0"/>
+              </a:endParaRPr>
+            </a:p>
+            <a:p>
+              <a:pPr algn="ctr"/>
+              <a:endParaRPr kumimoji="1" lang="en-US" altLang="ja-JP" sz="1050" dirty="0" smtClean="0">
                 <a:solidFill>
                   <a:schemeClr val="tx1"/>
                 </a:solidFill>
@@ -3159,6 +2150,16 @@
             <a:p>
               <a:pPr algn="ctr"/>
               <a:r>
+                <a:rPr lang="ja-JP" altLang="en-US" sz="4800" dirty="0">
+                  <a:solidFill>
+                    <a:schemeClr val="tx1"/>
+                  </a:solidFill>
+                  <a:latin typeface="+mj-ea"/>
+                  <a:ea typeface="+mj-ea"/>
+                </a:rPr>
+                <a:t>プログラム</a:t>
+              </a:r>
+              <a:r>
                 <a:rPr lang="ja-JP" altLang="en-US" sz="4800" dirty="0" smtClean="0">
                   <a:solidFill>
                     <a:schemeClr val="tx1"/>
@@ -3166,7 +2167,17 @@
                   <a:latin typeface="+mj-ea"/>
                   <a:ea typeface="+mj-ea"/>
                 </a:rPr>
-                <a:t>システムを作成</a:t>
+                <a:t>を</a:t>
+              </a:r>
+              <a:r>
+                <a:rPr lang="ja-JP" altLang="en-US" sz="4800" dirty="0" smtClean="0">
+                  <a:solidFill>
+                    <a:schemeClr val="tx1"/>
+                  </a:solidFill>
+                  <a:latin typeface="+mj-ea"/>
+                  <a:ea typeface="+mj-ea"/>
+                </a:rPr>
+                <a:t>作成</a:t>
               </a:r>
               <a:endParaRPr lang="en-US" altLang="ja-JP" sz="4800" dirty="0" smtClean="0">
                 <a:solidFill>
@@ -3540,13 +2551,18 @@
         </p:nvSpPr>
         <p:spPr>
           <a:xfrm>
-            <a:off x="190521" y="25254210"/>
+            <a:off x="194802" y="25149099"/>
             <a:ext cx="20867750" cy="4752528"/>
           </a:xfrm>
           <a:prstGeom prst="rect">
             <a:avLst/>
           </a:prstGeom>
-          <a:noFill/>
+          <a:solidFill>
+            <a:schemeClr val="accent4">
+              <a:lumMod val="40000"/>
+              <a:lumOff val="60000"/>
+            </a:schemeClr>
+          </a:solidFill>
           <a:ln>
             <a:solidFill>
               <a:schemeClr val="tx1"/>
@@ -3574,20 +2590,6 @@
           <a:lstStyle/>
           <a:p>
             <a:pPr algn="ctr"/>
-            <a:r>
-              <a:rPr lang="ja-JP" altLang="en-US" dirty="0" smtClean="0">
-                <a:latin typeface="Times New Roman" panose="02020603050405020304" pitchFamily="18" charset="0"/>
-                <a:cs typeface="Times New Roman" panose="02020603050405020304" pitchFamily="18" charset="0"/>
-              </a:rPr>
-              <a:t>②</a:t>
-            </a:r>
-            <a:r>
-              <a:rPr lang="ja-JP" altLang="en-US" dirty="0">
-                <a:latin typeface="Times New Roman" panose="02020603050405020304" pitchFamily="18" charset="0"/>
-                <a:cs typeface="Times New Roman" panose="02020603050405020304" pitchFamily="18" charset="0"/>
-              </a:rPr>
-              <a:t>②</a:t>
-            </a:r>
             <a:endParaRPr kumimoji="1" lang="ja-JP" altLang="en-US" dirty="0"/>
           </a:p>
         </p:txBody>
@@ -3600,7 +2602,7 @@
         </p:nvSpPr>
         <p:spPr>
           <a:xfrm>
-            <a:off x="485934" y="25509139"/>
+            <a:off x="382371" y="25275755"/>
             <a:ext cx="928459" cy="984885"/>
           </a:xfrm>
           <a:prstGeom prst="rect">
@@ -3636,7 +2638,7 @@
         </p:nvSpPr>
         <p:spPr>
           <a:xfrm>
-            <a:off x="15116756" y="18668379"/>
+            <a:off x="15116756" y="19029870"/>
             <a:ext cx="4979904" cy="1944216"/>
           </a:xfrm>
           <a:prstGeom prst="rect">
@@ -4038,6 +3040,689 @@
             <a:endParaRPr lang="ja-JP" altLang="en-US" sz="9600" dirty="0">
               <a:latin typeface="+mj-ea"/>
               <a:ea typeface="+mj-ea"/>
+            </a:endParaRPr>
+          </a:p>
+        </p:txBody>
+      </p:sp>
+      <p:sp>
+        <p:nvSpPr>
+          <p:cNvPr id="10" name="テキスト ボックス 9"/>
+          <p:cNvSpPr txBox="1"/>
+          <p:nvPr/>
+        </p:nvSpPr>
+        <p:spPr>
+          <a:xfrm>
+            <a:off x="167513" y="3385115"/>
+            <a:ext cx="6726210" cy="1323439"/>
+          </a:xfrm>
+          <a:prstGeom prst="rect">
+            <a:avLst/>
+          </a:prstGeom>
+          <a:solidFill>
+            <a:schemeClr val="accent4">
+              <a:lumMod val="40000"/>
+              <a:lumOff val="60000"/>
+            </a:schemeClr>
+          </a:solidFill>
+          <a:ln w="76200">
+            <a:solidFill>
+              <a:schemeClr val="tx1"/>
+            </a:solidFill>
+          </a:ln>
+        </p:spPr>
+        <p:txBody>
+          <a:bodyPr wrap="square" rtlCol="0">
+            <a:spAutoFit/>
+          </a:bodyPr>
+          <a:lstStyle/>
+          <a:p>
+            <a:pPr algn="ctr"/>
+            <a:r>
+              <a:rPr lang="ja-JP" altLang="en-US" sz="8000" dirty="0">
+                <a:latin typeface="+mj-ea"/>
+                <a:ea typeface="+mj-ea"/>
+                <a:cs typeface="Times New Roman" panose="02020603050405020304" pitchFamily="18" charset="0"/>
+              </a:rPr>
+              <a:t>研究</a:t>
+            </a:r>
+            <a:r>
+              <a:rPr lang="ja-JP" altLang="en-US" sz="8000" dirty="0" smtClean="0">
+                <a:latin typeface="+mj-ea"/>
+                <a:ea typeface="+mj-ea"/>
+                <a:cs typeface="Times New Roman" panose="02020603050405020304" pitchFamily="18" charset="0"/>
+              </a:rPr>
+              <a:t>について</a:t>
+            </a:r>
+            <a:endParaRPr kumimoji="1" lang="ja-JP" altLang="en-US" sz="8000" dirty="0">
+              <a:latin typeface="+mj-ea"/>
+              <a:ea typeface="+mj-ea"/>
+            </a:endParaRPr>
+          </a:p>
+        </p:txBody>
+      </p:sp>
+      <p:sp>
+        <p:nvSpPr>
+          <p:cNvPr id="12" name="テキスト ボックス 11"/>
+          <p:cNvSpPr txBox="1"/>
+          <p:nvPr/>
+        </p:nvSpPr>
+        <p:spPr>
+          <a:xfrm>
+            <a:off x="4368033" y="4986859"/>
+            <a:ext cx="16736588" cy="1200329"/>
+          </a:xfrm>
+          <a:prstGeom prst="rect">
+            <a:avLst/>
+          </a:prstGeom>
+          <a:solidFill>
+            <a:schemeClr val="accent4">
+              <a:lumMod val="40000"/>
+              <a:lumOff val="60000"/>
+            </a:schemeClr>
+          </a:solidFill>
+          <a:ln>
+            <a:solidFill>
+              <a:schemeClr val="tx1"/>
+            </a:solidFill>
+          </a:ln>
+        </p:spPr>
+        <p:txBody>
+          <a:bodyPr wrap="square" rtlCol="0">
+            <a:spAutoFit/>
+          </a:bodyPr>
+          <a:lstStyle/>
+          <a:p>
+            <a:pPr algn="ctr"/>
+            <a:r>
+              <a:rPr lang="en-US" altLang="ja-JP" sz="7200" dirty="0" smtClean="0">
+                <a:latin typeface="Times New Roman" panose="02020603050405020304" pitchFamily="18" charset="0"/>
+                <a:cs typeface="Times New Roman" panose="02020603050405020304" pitchFamily="18" charset="0"/>
+              </a:rPr>
+              <a:t>Twitter</a:t>
+            </a:r>
+            <a:r>
+              <a:rPr lang="ja-JP" altLang="en-US" sz="7200" dirty="0" smtClean="0">
+                <a:latin typeface="+mj-ea"/>
+                <a:ea typeface="+mj-ea"/>
+                <a:cs typeface="Times New Roman" panose="02020603050405020304" pitchFamily="18" charset="0"/>
+              </a:rPr>
+              <a:t>を利用する人は</a:t>
+            </a:r>
+            <a:r>
+              <a:rPr lang="en-US" altLang="ja-JP" sz="7200" dirty="0" smtClean="0">
+                <a:solidFill>
+                  <a:srgbClr val="DA0000"/>
+                </a:solidFill>
+                <a:latin typeface="+mj-ea"/>
+                <a:ea typeface="+mj-ea"/>
+                <a:cs typeface="Times New Roman" panose="02020603050405020304" pitchFamily="18" charset="0"/>
+              </a:rPr>
+              <a:t>2</a:t>
+            </a:r>
+            <a:r>
+              <a:rPr lang="ja-JP" altLang="en-US" sz="7200" dirty="0" smtClean="0">
+                <a:solidFill>
+                  <a:srgbClr val="DA0000"/>
+                </a:solidFill>
+                <a:latin typeface="+mj-ea"/>
+                <a:ea typeface="+mj-ea"/>
+                <a:cs typeface="Times New Roman" panose="02020603050405020304" pitchFamily="18" charset="0"/>
+              </a:rPr>
+              <a:t>億</a:t>
+            </a:r>
+            <a:r>
+              <a:rPr lang="en-US" altLang="ja-JP" sz="7200" dirty="0" smtClean="0">
+                <a:solidFill>
+                  <a:srgbClr val="DA0000"/>
+                </a:solidFill>
+                <a:latin typeface="+mj-ea"/>
+                <a:ea typeface="+mj-ea"/>
+                <a:cs typeface="Times New Roman" panose="02020603050405020304" pitchFamily="18" charset="0"/>
+              </a:rPr>
+              <a:t>3</a:t>
+            </a:r>
+            <a:r>
+              <a:rPr lang="ja-JP" altLang="en-US" sz="7200" dirty="0" smtClean="0">
+                <a:solidFill>
+                  <a:srgbClr val="DA0000"/>
+                </a:solidFill>
+                <a:latin typeface="+mj-ea"/>
+                <a:ea typeface="+mj-ea"/>
+                <a:cs typeface="Times New Roman" panose="02020603050405020304" pitchFamily="18" charset="0"/>
+              </a:rPr>
+              <a:t>千万人</a:t>
+            </a:r>
+            <a:r>
+              <a:rPr lang="ja-JP" altLang="en-US" sz="7200" dirty="0" smtClean="0">
+                <a:latin typeface="+mj-ea"/>
+                <a:ea typeface="+mj-ea"/>
+                <a:cs typeface="Times New Roman" panose="02020603050405020304" pitchFamily="18" charset="0"/>
+              </a:rPr>
+              <a:t>もいる</a:t>
+            </a:r>
+            <a:endParaRPr kumimoji="1" lang="ja-JP" altLang="en-US" sz="7200" dirty="0">
+              <a:latin typeface="Times New Roman" panose="02020603050405020304" pitchFamily="18" charset="0"/>
+              <a:cs typeface="Times New Roman" panose="02020603050405020304" pitchFamily="18" charset="0"/>
+            </a:endParaRPr>
+          </a:p>
+        </p:txBody>
+      </p:sp>
+      <p:sp>
+        <p:nvSpPr>
+          <p:cNvPr id="44" name="円/楕円 43"/>
+          <p:cNvSpPr/>
+          <p:nvPr/>
+        </p:nvSpPr>
+        <p:spPr>
+          <a:xfrm>
+            <a:off x="7063652" y="8442995"/>
+            <a:ext cx="1672541" cy="1851910"/>
+          </a:xfrm>
+          <a:prstGeom prst="ellipse">
+            <a:avLst/>
+          </a:prstGeom>
+          <a:noFill/>
+          <a:ln w="38100">
+            <a:solidFill>
+              <a:srgbClr val="FF0000"/>
+            </a:solidFill>
+          </a:ln>
+        </p:spPr>
+        <p:style>
+          <a:lnRef idx="2">
+            <a:schemeClr val="accent1">
+              <a:shade val="50000"/>
+            </a:schemeClr>
+          </a:lnRef>
+          <a:fillRef idx="1">
+            <a:schemeClr val="accent1"/>
+          </a:fillRef>
+          <a:effectRef idx="0">
+            <a:schemeClr val="accent1"/>
+          </a:effectRef>
+          <a:fontRef idx="minor">
+            <a:schemeClr val="lt1"/>
+          </a:fontRef>
+        </p:style>
+        <p:txBody>
+          <a:bodyPr rtlCol="0" anchor="ctr"/>
+          <a:lstStyle/>
+          <a:p>
+            <a:pPr algn="ctr"/>
+            <a:endParaRPr kumimoji="1" lang="ja-JP" altLang="en-US"/>
+          </a:p>
+        </p:txBody>
+      </p:sp>
+      <p:sp>
+        <p:nvSpPr>
+          <p:cNvPr id="110" name="円/楕円 109"/>
+          <p:cNvSpPr/>
+          <p:nvPr/>
+        </p:nvSpPr>
+        <p:spPr>
+          <a:xfrm>
+            <a:off x="6012633" y="11856532"/>
+            <a:ext cx="1042021" cy="961718"/>
+          </a:xfrm>
+          <a:prstGeom prst="ellipse">
+            <a:avLst/>
+          </a:prstGeom>
+          <a:noFill/>
+          <a:ln w="38100">
+            <a:solidFill>
+              <a:srgbClr val="FF0000"/>
+            </a:solidFill>
+          </a:ln>
+        </p:spPr>
+        <p:style>
+          <a:lnRef idx="2">
+            <a:schemeClr val="accent1">
+              <a:shade val="50000"/>
+            </a:schemeClr>
+          </a:lnRef>
+          <a:fillRef idx="1">
+            <a:schemeClr val="accent1"/>
+          </a:fillRef>
+          <a:effectRef idx="0">
+            <a:schemeClr val="accent1"/>
+          </a:effectRef>
+          <a:fontRef idx="minor">
+            <a:schemeClr val="lt1"/>
+          </a:fontRef>
+        </p:style>
+        <p:txBody>
+          <a:bodyPr rtlCol="0" anchor="ctr"/>
+          <a:lstStyle/>
+          <a:p>
+            <a:pPr algn="ctr"/>
+            <a:endParaRPr kumimoji="1" lang="ja-JP" altLang="en-US"/>
+          </a:p>
+        </p:txBody>
+      </p:sp>
+      <p:sp>
+        <p:nvSpPr>
+          <p:cNvPr id="111" name="円/楕円 110"/>
+          <p:cNvSpPr/>
+          <p:nvPr/>
+        </p:nvSpPr>
+        <p:spPr>
+          <a:xfrm>
+            <a:off x="6720119" y="10788095"/>
+            <a:ext cx="1279799" cy="961718"/>
+          </a:xfrm>
+          <a:prstGeom prst="ellipse">
+            <a:avLst/>
+          </a:prstGeom>
+          <a:noFill/>
+          <a:ln w="38100">
+            <a:solidFill>
+              <a:srgbClr val="FF0000"/>
+            </a:solidFill>
+          </a:ln>
+        </p:spPr>
+        <p:style>
+          <a:lnRef idx="2">
+            <a:schemeClr val="accent1">
+              <a:shade val="50000"/>
+            </a:schemeClr>
+          </a:lnRef>
+          <a:fillRef idx="1">
+            <a:schemeClr val="accent1"/>
+          </a:fillRef>
+          <a:effectRef idx="0">
+            <a:schemeClr val="accent1"/>
+          </a:effectRef>
+          <a:fontRef idx="minor">
+            <a:schemeClr val="lt1"/>
+          </a:fontRef>
+        </p:style>
+        <p:txBody>
+          <a:bodyPr rtlCol="0" anchor="ctr"/>
+          <a:lstStyle/>
+          <a:p>
+            <a:pPr algn="ctr"/>
+            <a:endParaRPr kumimoji="1" lang="ja-JP" altLang="en-US"/>
+          </a:p>
+        </p:txBody>
+      </p:sp>
+      <p:sp>
+        <p:nvSpPr>
+          <p:cNvPr id="112" name="円/楕円 111"/>
+          <p:cNvSpPr/>
+          <p:nvPr/>
+        </p:nvSpPr>
+        <p:spPr>
+          <a:xfrm>
+            <a:off x="4947863" y="10788095"/>
+            <a:ext cx="1042021" cy="961718"/>
+          </a:xfrm>
+          <a:prstGeom prst="ellipse">
+            <a:avLst/>
+          </a:prstGeom>
+          <a:noFill/>
+          <a:ln w="38100">
+            <a:solidFill>
+              <a:srgbClr val="FF0000"/>
+            </a:solidFill>
+          </a:ln>
+        </p:spPr>
+        <p:style>
+          <a:lnRef idx="2">
+            <a:schemeClr val="accent1">
+              <a:shade val="50000"/>
+            </a:schemeClr>
+          </a:lnRef>
+          <a:fillRef idx="1">
+            <a:schemeClr val="accent1"/>
+          </a:fillRef>
+          <a:effectRef idx="0">
+            <a:schemeClr val="accent1"/>
+          </a:effectRef>
+          <a:fontRef idx="minor">
+            <a:schemeClr val="lt1"/>
+          </a:fontRef>
+        </p:style>
+        <p:txBody>
+          <a:bodyPr rtlCol="0" anchor="ctr"/>
+          <a:lstStyle/>
+          <a:p>
+            <a:pPr algn="ctr"/>
+            <a:endParaRPr kumimoji="1" lang="ja-JP" altLang="en-US"/>
+          </a:p>
+        </p:txBody>
+      </p:sp>
+      <p:sp>
+        <p:nvSpPr>
+          <p:cNvPr id="115" name="円/楕円 114"/>
+          <p:cNvSpPr/>
+          <p:nvPr/>
+        </p:nvSpPr>
+        <p:spPr>
+          <a:xfrm>
+            <a:off x="4746195" y="9368950"/>
+            <a:ext cx="1042021" cy="961718"/>
+          </a:xfrm>
+          <a:prstGeom prst="ellipse">
+            <a:avLst/>
+          </a:prstGeom>
+          <a:noFill/>
+          <a:ln w="38100">
+            <a:solidFill>
+              <a:srgbClr val="FF0000"/>
+            </a:solidFill>
+          </a:ln>
+        </p:spPr>
+        <p:style>
+          <a:lnRef idx="2">
+            <a:schemeClr val="accent1">
+              <a:shade val="50000"/>
+            </a:schemeClr>
+          </a:lnRef>
+          <a:fillRef idx="1">
+            <a:schemeClr val="accent1"/>
+          </a:fillRef>
+          <a:effectRef idx="0">
+            <a:schemeClr val="accent1"/>
+          </a:effectRef>
+          <a:fontRef idx="minor">
+            <a:schemeClr val="lt1"/>
+          </a:fontRef>
+        </p:style>
+        <p:txBody>
+          <a:bodyPr rtlCol="0" anchor="ctr"/>
+          <a:lstStyle/>
+          <a:p>
+            <a:pPr algn="ctr"/>
+            <a:endParaRPr kumimoji="1" lang="ja-JP" altLang="en-US"/>
+          </a:p>
+        </p:txBody>
+      </p:sp>
+      <p:sp>
+        <p:nvSpPr>
+          <p:cNvPr id="45" name="テキスト ボックス 44"/>
+          <p:cNvSpPr txBox="1"/>
+          <p:nvPr/>
+        </p:nvSpPr>
+        <p:spPr>
+          <a:xfrm>
+            <a:off x="7529762" y="13789402"/>
+            <a:ext cx="4176463" cy="646331"/>
+          </a:xfrm>
+          <a:prstGeom prst="rect">
+            <a:avLst/>
+          </a:prstGeom>
+          <a:solidFill>
+            <a:schemeClr val="bg1"/>
+          </a:solidFill>
+          <a:ln>
+            <a:solidFill>
+              <a:schemeClr val="tx1"/>
+            </a:solidFill>
+          </a:ln>
+        </p:spPr>
+        <p:txBody>
+          <a:bodyPr wrap="square" rtlCol="0">
+            <a:spAutoFit/>
+          </a:bodyPr>
+          <a:lstStyle/>
+          <a:p>
+            <a:r>
+              <a:rPr lang="ja-JP" altLang="en-US" sz="3600" dirty="0" smtClean="0"/>
+              <a:t>図　</a:t>
+            </a:r>
+            <a:r>
+              <a:rPr kumimoji="1" lang="ja-JP" altLang="en-US" sz="3600" dirty="0" smtClean="0"/>
+              <a:t>ネットワーク</a:t>
+            </a:r>
+            <a:r>
+              <a:rPr kumimoji="1" lang="en-US" altLang="ja-JP" sz="3600" dirty="0" smtClean="0"/>
+              <a:t>(</a:t>
+            </a:r>
+            <a:r>
+              <a:rPr kumimoji="1" lang="ja-JP" altLang="en-US" sz="3600" dirty="0" smtClean="0"/>
+              <a:t>例</a:t>
+            </a:r>
+            <a:r>
+              <a:rPr kumimoji="1" lang="en-US" altLang="ja-JP" sz="3600" dirty="0" smtClean="0"/>
+              <a:t>)</a:t>
+            </a:r>
+            <a:endParaRPr kumimoji="1" lang="ja-JP" altLang="en-US" sz="3600" dirty="0"/>
+          </a:p>
+        </p:txBody>
+      </p:sp>
+      <p:sp>
+        <p:nvSpPr>
+          <p:cNvPr id="46" name="角丸四角形吹き出し 45"/>
+          <p:cNvSpPr/>
+          <p:nvPr/>
+        </p:nvSpPr>
+        <p:spPr>
+          <a:xfrm>
+            <a:off x="11706225" y="6787059"/>
+            <a:ext cx="9226391" cy="1892506"/>
+          </a:xfrm>
+          <a:prstGeom prst="wedgeRoundRectCallout">
+            <a:avLst>
+              <a:gd name="adj1" fmla="val -92251"/>
+              <a:gd name="adj2" fmla="val 85922"/>
+              <a:gd name="adj3" fmla="val 16667"/>
+            </a:avLst>
+          </a:prstGeom>
+          <a:solidFill>
+            <a:schemeClr val="accent4">
+              <a:lumMod val="40000"/>
+              <a:lumOff val="60000"/>
+            </a:schemeClr>
+          </a:solidFill>
+          <a:ln>
+            <a:solidFill>
+              <a:schemeClr val="tx1"/>
+            </a:solidFill>
+          </a:ln>
+        </p:spPr>
+        <p:style>
+          <a:lnRef idx="2">
+            <a:schemeClr val="accent1">
+              <a:shade val="50000"/>
+            </a:schemeClr>
+          </a:lnRef>
+          <a:fillRef idx="1">
+            <a:schemeClr val="accent1"/>
+          </a:fillRef>
+          <a:effectRef idx="0">
+            <a:schemeClr val="accent1"/>
+          </a:effectRef>
+          <a:fontRef idx="minor">
+            <a:schemeClr val="lt1"/>
+          </a:fontRef>
+        </p:style>
+        <p:txBody>
+          <a:bodyPr rtlCol="0" anchor="ctr"/>
+          <a:lstStyle/>
+          <a:p>
+            <a:pPr algn="ctr"/>
+            <a:r>
+              <a:rPr lang="ja-JP" altLang="en-US" dirty="0" smtClean="0">
+                <a:solidFill>
+                  <a:schemeClr val="tx1"/>
+                </a:solidFill>
+                <a:latin typeface="+mj-ea"/>
+                <a:ea typeface="+mj-ea"/>
+                <a:cs typeface="Times New Roman" panose="02020603050405020304" pitchFamily="18" charset="0"/>
+              </a:rPr>
+              <a:t>ネットワークの中にある</a:t>
+            </a:r>
+            <a:endParaRPr lang="en-US" altLang="ja-JP" dirty="0" smtClean="0">
+              <a:solidFill>
+                <a:schemeClr val="tx1"/>
+              </a:solidFill>
+              <a:latin typeface="+mj-ea"/>
+              <a:ea typeface="+mj-ea"/>
+              <a:cs typeface="Times New Roman" panose="02020603050405020304" pitchFamily="18" charset="0"/>
+            </a:endParaRPr>
+          </a:p>
+          <a:p>
+            <a:pPr algn="ctr"/>
+            <a:r>
+              <a:rPr lang="ja-JP" altLang="en-US" dirty="0" smtClean="0">
+                <a:solidFill>
+                  <a:schemeClr val="tx1"/>
+                </a:solidFill>
+                <a:latin typeface="+mj-ea"/>
+                <a:ea typeface="+mj-ea"/>
+                <a:cs typeface="Times New Roman" panose="02020603050405020304" pitchFamily="18" charset="0"/>
+              </a:rPr>
+              <a:t>コミュニティを見つける</a:t>
+            </a:r>
+            <a:endParaRPr lang="en-US" altLang="ja-JP" dirty="0" smtClean="0">
+              <a:solidFill>
+                <a:schemeClr val="tx1"/>
+              </a:solidFill>
+              <a:latin typeface="+mj-ea"/>
+              <a:ea typeface="+mj-ea"/>
+              <a:cs typeface="Times New Roman" panose="02020603050405020304" pitchFamily="18" charset="0"/>
+            </a:endParaRPr>
+          </a:p>
+        </p:txBody>
+      </p:sp>
+      <p:pic>
+        <p:nvPicPr>
+          <p:cNvPr id="63" name="図 62"/>
+          <p:cNvPicPr>
+            <a:picLocks noChangeAspect="1"/>
+          </p:cNvPicPr>
+          <p:nvPr/>
+        </p:nvPicPr>
+        <p:blipFill>
+          <a:blip r:embed="rId4">
+            <a:extLst>
+              <a:ext uri="{BEBA8EAE-BF5A-486C-A8C5-ECC9F3942E4B}">
+                <a14:imgProps xmlns:a14="http://schemas.microsoft.com/office/drawing/2010/main">
+                  <a14:imgLayer r:embed="rId5">
+                    <a14:imgEffect>
+                      <a14:backgroundRemoval t="10000" b="90000" l="10000" r="90000"/>
+                    </a14:imgEffect>
+                  </a14:imgLayer>
+                </a14:imgProps>
+              </a:ext>
+              <a:ext uri="{28A0092B-C50C-407E-A947-70E740481C1C}">
+                <a14:useLocalDpi xmlns:a14="http://schemas.microsoft.com/office/drawing/2010/main" val="0"/>
+              </a:ext>
+            </a:extLst>
+          </a:blip>
+          <a:stretch>
+            <a:fillRect/>
+          </a:stretch>
+        </p:blipFill>
+        <p:spPr>
+          <a:xfrm>
+            <a:off x="-832360" y="3823186"/>
+            <a:ext cx="5882307" cy="5882307"/>
+          </a:xfrm>
+          <a:prstGeom prst="rect">
+            <a:avLst/>
+          </a:prstGeom>
+        </p:spPr>
+      </p:pic>
+      <p:sp>
+        <p:nvSpPr>
+          <p:cNvPr id="48" name="右矢印 47"/>
+          <p:cNvSpPr/>
+          <p:nvPr/>
+        </p:nvSpPr>
+        <p:spPr>
+          <a:xfrm rot="5400000">
+            <a:off x="15066723" y="9595025"/>
+            <a:ext cx="2597112" cy="1471287"/>
+          </a:xfrm>
+          <a:prstGeom prst="rightArrow">
+            <a:avLst/>
+          </a:prstGeom>
+          <a:solidFill>
+            <a:schemeClr val="bg1">
+              <a:lumMod val="95000"/>
+            </a:schemeClr>
+          </a:solidFill>
+          <a:ln w="38100">
+            <a:solidFill>
+              <a:schemeClr val="tx1"/>
+            </a:solidFill>
+          </a:ln>
+        </p:spPr>
+        <p:style>
+          <a:lnRef idx="2">
+            <a:schemeClr val="accent1">
+              <a:shade val="50000"/>
+            </a:schemeClr>
+          </a:lnRef>
+          <a:fillRef idx="1">
+            <a:schemeClr val="accent1"/>
+          </a:fillRef>
+          <a:effectRef idx="0">
+            <a:schemeClr val="accent1"/>
+          </a:effectRef>
+          <a:fontRef idx="minor">
+            <a:schemeClr val="lt1"/>
+          </a:fontRef>
+        </p:style>
+        <p:txBody>
+          <a:bodyPr rtlCol="0" anchor="ctr"/>
+          <a:lstStyle/>
+          <a:p>
+            <a:pPr algn="ctr"/>
+            <a:endParaRPr kumimoji="1" lang="ja-JP" altLang="en-US"/>
+          </a:p>
+        </p:txBody>
+      </p:sp>
+      <p:sp>
+        <p:nvSpPr>
+          <p:cNvPr id="89" name="テキスト ボックス 88"/>
+          <p:cNvSpPr txBox="1"/>
+          <p:nvPr/>
+        </p:nvSpPr>
+        <p:spPr>
+          <a:xfrm>
+            <a:off x="12250762" y="11749813"/>
+            <a:ext cx="8137315" cy="2769989"/>
+          </a:xfrm>
+          <a:prstGeom prst="rect">
+            <a:avLst/>
+          </a:prstGeom>
+          <a:solidFill>
+            <a:schemeClr val="accent4">
+              <a:lumMod val="40000"/>
+              <a:lumOff val="60000"/>
+            </a:schemeClr>
+          </a:solidFill>
+          <a:ln>
+            <a:solidFill>
+              <a:schemeClr val="tx1"/>
+            </a:solidFill>
+          </a:ln>
+        </p:spPr>
+        <p:txBody>
+          <a:bodyPr wrap="square" rtlCol="0">
+            <a:spAutoFit/>
+          </a:bodyPr>
+          <a:lstStyle/>
+          <a:p>
+            <a:r>
+              <a:rPr lang="en-US" altLang="ja-JP" dirty="0" smtClean="0">
+                <a:latin typeface="Times New Roman" panose="02020603050405020304" pitchFamily="18" charset="0"/>
+                <a:cs typeface="Times New Roman" panose="02020603050405020304" pitchFamily="18" charset="0"/>
+              </a:rPr>
+              <a:t>Twitter</a:t>
+            </a:r>
+            <a:r>
+              <a:rPr lang="ja-JP" altLang="en-US" dirty="0" smtClean="0">
+                <a:latin typeface="Times New Roman" panose="02020603050405020304" pitchFamily="18" charset="0"/>
+                <a:cs typeface="Times New Roman" panose="02020603050405020304" pitchFamily="18" charset="0"/>
+              </a:rPr>
+              <a:t>がさらに便利に使えるようになることを期待する．</a:t>
+            </a:r>
+            <a:endParaRPr kumimoji="1" lang="ja-JP" altLang="en-US" dirty="0">
+              <a:latin typeface="Times New Roman" panose="02020603050405020304" pitchFamily="18" charset="0"/>
+              <a:cs typeface="Times New Roman" panose="02020603050405020304" pitchFamily="18" charset="0"/>
             </a:endParaRPr>
           </a:p>
         </p:txBody>
